--- a/Lecture#16/Lecture_16_presentation.pptx
+++ b/Lecture#16/Lecture_16_presentation.pptx
@@ -5209,22 +5209,12 @@
           <a:p>
             <a:pPr marL="285750" indent="-285750"/>
             <a:r>
+              <a:rPr lang="en-US" sz="2200" b="1"/>
+              <a:t>Concept </a:t>
+            </a:r>
+            <a:r>
               <a:rPr lang="en-US" sz="2200" b="1" dirty="0"/>
-              <a:t>Buffer Full?</a:t>
-            </a:r>
-          </a:p>
-          <a:p>
-            <a:pPr marL="285750" indent="-285750"/>
-            <a:r>
-              <a:rPr lang="en-US" sz="2200" b="1" dirty="0"/>
-              <a:t>Buffer Empty?</a:t>
-            </a:r>
-          </a:p>
-          <a:p>
-            <a:pPr marL="285750" indent="-285750"/>
-            <a:r>
-              <a:rPr lang="en-US" sz="2200" b="1" dirty="0"/>
-              <a:t>Concept of circular buffer</a:t>
+              <a:t>of circular buffer</a:t>
             </a:r>
           </a:p>
           <a:p>

--- a/Lecture#16/Lecture_16_presentation.pptx
+++ b/Lecture#16/Lecture_16_presentation.pptx
@@ -275,7 +275,7 @@
                 </a:solidFill>
               </a:rPr>
               <a:pPr/>
-              <a:t>3/12/2019</a:t>
+              <a:t>3/14/2019</a:t>
             </a:fld>
             <a:endParaRPr lang="en-US" dirty="0">
               <a:solidFill>
@@ -436,7 +436,7 @@
             <a:fld id="{DBF7D493-8EEB-7E45-916B-5FBC49ABC710}" type="datetimeFigureOut">
               <a:rPr lang="en-US" smtClean="0"/>
               <a:pPr/>
-              <a:t>3/12/2019</a:t>
+              <a:t>3/14/2019</a:t>
             </a:fld>
             <a:endParaRPr lang="en-US" dirty="0"/>
           </a:p>
@@ -3196,49 +3196,17 @@
                 <a:ea typeface="Courier" charset="0"/>
                 <a:cs typeface="Courier" charset="0"/>
               </a:rPr>
-              <a:t>	FILE *</a:t>
-            </a:r>
-            <a:r>
-              <a:rPr lang="de-DE" sz="1800" b="1" dirty="0" err="1">
-                <a:latin typeface="Courier" charset="0"/>
-                <a:ea typeface="Courier" charset="0"/>
-                <a:cs typeface="Courier" charset="0"/>
-              </a:rPr>
-              <a:t>in_file</a:t>
-            </a:r>
+              <a:t>	FILE *in;</a:t>
+            </a:r>
+          </a:p>
+          <a:p>
             <a:r>
               <a:rPr lang="de-DE" sz="1800" b="1" dirty="0">
                 <a:latin typeface="Courier" charset="0"/>
                 <a:ea typeface="Courier" charset="0"/>
                 <a:cs typeface="Courier" charset="0"/>
               </a:rPr>
-              <a:t>;</a:t>
-            </a:r>
-          </a:p>
-          <a:p>
-            <a:r>
-              <a:rPr lang="de-DE" sz="1800" b="1" dirty="0">
-                <a:latin typeface="Courier" charset="0"/>
-                <a:ea typeface="Courier" charset="0"/>
-                <a:cs typeface="Courier" charset="0"/>
-              </a:rPr>
-              <a:t>	FILE *</a:t>
-            </a:r>
-            <a:r>
-              <a:rPr lang="de-DE" sz="1800" b="1" dirty="0" err="1">
-                <a:latin typeface="Courier" charset="0"/>
-                <a:ea typeface="Courier" charset="0"/>
-                <a:cs typeface="Courier" charset="0"/>
-              </a:rPr>
-              <a:t>out_file</a:t>
-            </a:r>
-            <a:r>
-              <a:rPr lang="de-DE" sz="1800" b="1" dirty="0">
-                <a:latin typeface="Courier" charset="0"/>
-                <a:ea typeface="Courier" charset="0"/>
-                <a:cs typeface="Courier" charset="0"/>
-              </a:rPr>
-              <a:t>;</a:t>
+              <a:t>	FILE *out;</a:t>
             </a:r>
           </a:p>
           <a:p>
@@ -3323,23 +3291,7 @@
                 <a:ea typeface="Courier" charset="0"/>
                 <a:cs typeface="Courier" charset="0"/>
               </a:rPr>
-              <a:t>	if(</a:t>
-            </a:r>
-            <a:r>
-              <a:rPr lang="en-US" sz="1800" b="1" dirty="0" err="1">
-                <a:latin typeface="Courier" charset="0"/>
-                <a:ea typeface="Courier" charset="0"/>
-                <a:cs typeface="Courier" charset="0"/>
-              </a:rPr>
-              <a:t>in_file</a:t>
-            </a:r>
-            <a:r>
-              <a:rPr lang="en-US" sz="1800" b="1" dirty="0">
-                <a:latin typeface="Courier" charset="0"/>
-                <a:ea typeface="Courier" charset="0"/>
-                <a:cs typeface="Courier" charset="0"/>
-              </a:rPr>
-              <a:t> == NULL)</a:t>
+              <a:t>	if(in == NULL)</a:t>
             </a:r>
           </a:p>
           <a:p>
@@ -3407,55 +3359,7 @@
                 <a:ea typeface="Courier" charset="0"/>
                 <a:cs typeface="Courier" charset="0"/>
               </a:rPr>
-              <a:t>	</a:t>
-            </a:r>
-            <a:r>
-              <a:rPr lang="de-DE" sz="1800" b="1" dirty="0" err="1">
-                <a:latin typeface="Courier" charset="0"/>
-                <a:ea typeface="Courier" charset="0"/>
-                <a:cs typeface="Courier" charset="0"/>
-              </a:rPr>
-              <a:t>fscanf</a:t>
-            </a:r>
-            <a:r>
-              <a:rPr lang="de-DE" sz="1800" b="1" dirty="0">
-                <a:latin typeface="Courier" charset="0"/>
-                <a:ea typeface="Courier" charset="0"/>
-                <a:cs typeface="Courier" charset="0"/>
-              </a:rPr>
-              <a:t>(</a:t>
-            </a:r>
-            <a:r>
-              <a:rPr lang="de-DE" sz="1800" b="1" dirty="0" err="1">
-                <a:latin typeface="Courier" charset="0"/>
-                <a:ea typeface="Courier" charset="0"/>
-                <a:cs typeface="Courier" charset="0"/>
-              </a:rPr>
-              <a:t>in_file</a:t>
-            </a:r>
-            <a:r>
-              <a:rPr lang="de-DE" sz="1800" b="1" dirty="0">
-                <a:latin typeface="Courier" charset="0"/>
-                <a:ea typeface="Courier" charset="0"/>
-                <a:cs typeface="Courier" charset="0"/>
-              </a:rPr>
-              <a:t>, "%d %d", &amp;m, &amp;</a:t>
-            </a:r>
-            <a:r>
-              <a:rPr lang="de-DE" sz="1800" b="1" dirty="0" err="1">
-                <a:latin typeface="Courier" charset="0"/>
-                <a:ea typeface="Courier" charset="0"/>
-                <a:cs typeface="Courier" charset="0"/>
-              </a:rPr>
-              <a:t>n</a:t>
-            </a:r>
-            <a:r>
-              <a:rPr lang="de-DE" sz="1800" b="1" dirty="0">
-                <a:latin typeface="Courier" charset="0"/>
-                <a:ea typeface="Courier" charset="0"/>
-                <a:cs typeface="Courier" charset="0"/>
-              </a:rPr>
-              <a:t>);</a:t>
+              <a:t>	fscanf(in, "%d %d", &amp;m, &amp;n);</a:t>
             </a:r>
           </a:p>
           <a:p>
@@ -3876,23 +3780,7 @@
                 <a:ea typeface="Courier" charset="0"/>
                 <a:cs typeface="Courier" charset="0"/>
               </a:rPr>
-              <a:t>	if(</a:t>
-            </a:r>
-            <a:r>
-              <a:rPr lang="en-US" sz="1800" b="1" dirty="0" err="1">
-                <a:latin typeface="Courier" charset="0"/>
-                <a:ea typeface="Courier" charset="0"/>
-                <a:cs typeface="Courier" charset="0"/>
-              </a:rPr>
-              <a:t>out_file</a:t>
-            </a:r>
-            <a:r>
-              <a:rPr lang="en-US" sz="1800" b="1" dirty="0">
-                <a:latin typeface="Courier" charset="0"/>
-                <a:ea typeface="Courier" charset="0"/>
-                <a:cs typeface="Courier" charset="0"/>
-              </a:rPr>
-              <a:t> == NULL)</a:t>
+              <a:t>	if(out == NULL)</a:t>
             </a:r>
           </a:p>
           <a:p>
@@ -3945,71 +3833,7 @@
                 <a:ea typeface="Courier" charset="0"/>
                 <a:cs typeface="Courier" charset="0"/>
               </a:rPr>
-              <a:t>	</a:t>
-            </a:r>
-            <a:r>
-              <a:rPr lang="de-DE" sz="1800" b="1" dirty="0" err="1">
-                <a:latin typeface="Courier" charset="0"/>
-                <a:ea typeface="Courier" charset="0"/>
-                <a:cs typeface="Courier" charset="0"/>
-              </a:rPr>
-              <a:t>fprintf</a:t>
-            </a:r>
-            <a:r>
-              <a:rPr lang="de-DE" sz="1800" b="1" dirty="0">
-                <a:latin typeface="Courier" charset="0"/>
-                <a:ea typeface="Courier" charset="0"/>
-                <a:cs typeface="Courier" charset="0"/>
-              </a:rPr>
-              <a:t>(</a:t>
-            </a:r>
-            <a:r>
-              <a:rPr lang="de-DE" sz="1800" b="1" dirty="0" err="1">
-                <a:latin typeface="Courier" charset="0"/>
-                <a:ea typeface="Courier" charset="0"/>
-                <a:cs typeface="Courier" charset="0"/>
-              </a:rPr>
-              <a:t>out_file</a:t>
-            </a:r>
-            <a:r>
-              <a:rPr lang="de-DE" sz="1800" b="1" dirty="0">
-                <a:latin typeface="Courier" charset="0"/>
-                <a:ea typeface="Courier" charset="0"/>
-                <a:cs typeface="Courier" charset="0"/>
-              </a:rPr>
-              <a:t>, "%d %d\</a:t>
-            </a:r>
-            <a:r>
-              <a:rPr lang="de-DE" sz="1800" b="1" dirty="0" err="1">
-                <a:latin typeface="Courier" charset="0"/>
-                <a:ea typeface="Courier" charset="0"/>
-                <a:cs typeface="Courier" charset="0"/>
-              </a:rPr>
-              <a:t>n</a:t>
-            </a:r>
-            <a:r>
-              <a:rPr lang="de-DE" sz="1800" b="1" dirty="0">
-                <a:latin typeface="Courier" charset="0"/>
-                <a:ea typeface="Courier" charset="0"/>
-                <a:cs typeface="Courier" charset="0"/>
-              </a:rPr>
-              <a:t>", </a:t>
-            </a:r>
-            <a:r>
-              <a:rPr lang="de-DE" sz="1800" b="1" dirty="0" err="1">
-                <a:latin typeface="Courier" charset="0"/>
-                <a:ea typeface="Courier" charset="0"/>
-                <a:cs typeface="Courier" charset="0"/>
-              </a:rPr>
-              <a:t>n</a:t>
-            </a:r>
-            <a:r>
-              <a:rPr lang="de-DE" sz="1800" b="1" dirty="0">
-                <a:latin typeface="Courier" charset="0"/>
-                <a:ea typeface="Courier" charset="0"/>
-                <a:cs typeface="Courier" charset="0"/>
-              </a:rPr>
-              <a:t>, m);</a:t>
+              <a:t>	fprintf(out, "%d %d\n", n, m);</a:t>
             </a:r>
             <a:r>
               <a:rPr lang="en-US" sz="1800" b="1" dirty="0">

--- a/Lecture#16/Lecture_16_presentation.pptx
+++ b/Lecture#16/Lecture_16_presentation.pptx
@@ -6,23 +6,28 @@
     <p:sldMasterId id="2147483665" r:id="rId2"/>
   </p:sldMasterIdLst>
   <p:notesMasterIdLst>
-    <p:notesMasterId r:id="rId14"/>
+    <p:notesMasterId r:id="rId19"/>
   </p:notesMasterIdLst>
   <p:handoutMasterIdLst>
-    <p:handoutMasterId r:id="rId15"/>
+    <p:handoutMasterId r:id="rId20"/>
   </p:handoutMasterIdLst>
   <p:sldIdLst>
     <p:sldId id="260" r:id="rId3"/>
     <p:sldId id="389" r:id="rId4"/>
     <p:sldId id="383" r:id="rId5"/>
     <p:sldId id="394" r:id="rId6"/>
-    <p:sldId id="390" r:id="rId7"/>
-    <p:sldId id="395" r:id="rId8"/>
-    <p:sldId id="396" r:id="rId9"/>
-    <p:sldId id="397" r:id="rId10"/>
-    <p:sldId id="386" r:id="rId11"/>
-    <p:sldId id="387" r:id="rId12"/>
-    <p:sldId id="388" r:id="rId13"/>
+    <p:sldId id="401" r:id="rId7"/>
+    <p:sldId id="402" r:id="rId8"/>
+    <p:sldId id="395" r:id="rId9"/>
+    <p:sldId id="396" r:id="rId10"/>
+    <p:sldId id="397" r:id="rId11"/>
+    <p:sldId id="398" r:id="rId12"/>
+    <p:sldId id="399" r:id="rId13"/>
+    <p:sldId id="400" r:id="rId14"/>
+    <p:sldId id="386" r:id="rId15"/>
+    <p:sldId id="403" r:id="rId16"/>
+    <p:sldId id="387" r:id="rId17"/>
+    <p:sldId id="388" r:id="rId18"/>
   </p:sldIdLst>
   <p:sldSz cx="10058400" cy="7772400"/>
   <p:notesSz cx="7315200" cy="9601200"/>
@@ -2950,6 +2955,2008 @@
           <a:chExt cx="0" cy="0"/>
         </a:xfrm>
       </p:grpSpPr>
+      <p:pic>
+        <p:nvPicPr>
+          <p:cNvPr id="4" name="Picture 3">
+            <a:extLst>
+              <a:ext uri="{FF2B5EF4-FFF2-40B4-BE49-F238E27FC236}">
+                <a16:creationId xmlns:a16="http://schemas.microsoft.com/office/drawing/2014/main" id="{D821F37E-ED76-4085-936F-C365AA54537D}"/>
+              </a:ext>
+            </a:extLst>
+          </p:cNvPr>
+          <p:cNvPicPr>
+            <a:picLocks noChangeAspect="1"/>
+          </p:cNvPicPr>
+          <p:nvPr/>
+        </p:nvPicPr>
+        <p:blipFill>
+          <a:blip r:embed="rId2"/>
+          <a:stretch>
+            <a:fillRect/>
+          </a:stretch>
+        </p:blipFill>
+        <p:spPr>
+          <a:xfrm>
+            <a:off x="0" y="903143"/>
+            <a:ext cx="9410700" cy="5467350"/>
+          </a:xfrm>
+          <a:prstGeom prst="rect">
+            <a:avLst/>
+          </a:prstGeom>
+        </p:spPr>
+      </p:pic>
+      <p:sp>
+        <p:nvSpPr>
+          <p:cNvPr id="5" name="TextBox 4">
+            <a:extLst>
+              <a:ext uri="{FF2B5EF4-FFF2-40B4-BE49-F238E27FC236}">
+                <a16:creationId xmlns:a16="http://schemas.microsoft.com/office/drawing/2014/main" id="{C422D671-4F53-4EDC-93AA-9FD6320BB5F2}"/>
+              </a:ext>
+            </a:extLst>
+          </p:cNvPr>
+          <p:cNvSpPr txBox="1"/>
+          <p:nvPr/>
+        </p:nvSpPr>
+        <p:spPr>
+          <a:xfrm>
+            <a:off x="267855" y="212436"/>
+            <a:ext cx="7684654" cy="400110"/>
+          </a:xfrm>
+          <a:prstGeom prst="rect">
+            <a:avLst/>
+          </a:prstGeom>
+          <a:noFill/>
+        </p:spPr>
+        <p:txBody>
+          <a:bodyPr wrap="square" rtlCol="0">
+            <a:spAutoFit/>
+          </a:bodyPr>
+          <a:lstStyle/>
+          <a:p>
+            <a:r>
+              <a:rPr lang="en-US" dirty="0"/>
+              <a:t>Write to a file using </a:t>
+            </a:r>
+            <a:r>
+              <a:rPr lang="en-US" dirty="0" err="1"/>
+              <a:t>fputc</a:t>
+            </a:r>
+            <a:r>
+              <a:rPr lang="en-US" dirty="0"/>
+              <a:t>()  </a:t>
+            </a:r>
+          </a:p>
+        </p:txBody>
+      </p:sp>
+    </p:spTree>
+    <p:extLst>
+      <p:ext uri="{BB962C8B-B14F-4D97-AF65-F5344CB8AC3E}">
+        <p14:creationId xmlns:p14="http://schemas.microsoft.com/office/powerpoint/2010/main" val="3608764255"/>
+      </p:ext>
+    </p:extLst>
+  </p:cSld>
+  <p:clrMapOvr>
+    <a:masterClrMapping/>
+  </p:clrMapOvr>
+</p:sld>
+</file>
+
+<file path=ppt/slides/slide11.xml><?xml version="1.0" encoding="utf-8"?>
+<p:sld xmlns:a="http://schemas.openxmlformats.org/drawingml/2006/main" xmlns:r="http://schemas.openxmlformats.org/officeDocument/2006/relationships" xmlns:p="http://schemas.openxmlformats.org/presentationml/2006/main">
+  <p:cSld>
+    <p:spTree>
+      <p:nvGrpSpPr>
+        <p:cNvPr id="1" name=""/>
+        <p:cNvGrpSpPr/>
+        <p:nvPr/>
+      </p:nvGrpSpPr>
+      <p:grpSpPr>
+        <a:xfrm>
+          <a:off x="0" y="0"/>
+          <a:ext cx="0" cy="0"/>
+          <a:chOff x="0" y="0"/>
+          <a:chExt cx="0" cy="0"/>
+        </a:xfrm>
+      </p:grpSpPr>
+      <p:pic>
+        <p:nvPicPr>
+          <p:cNvPr id="4" name="Picture 3">
+            <a:extLst>
+              <a:ext uri="{FF2B5EF4-FFF2-40B4-BE49-F238E27FC236}">
+                <a16:creationId xmlns:a16="http://schemas.microsoft.com/office/drawing/2014/main" id="{92531F33-8158-48BC-8F74-E7A465DF1C98}"/>
+              </a:ext>
+            </a:extLst>
+          </p:cNvPr>
+          <p:cNvPicPr>
+            <a:picLocks noChangeAspect="1"/>
+          </p:cNvPicPr>
+          <p:nvPr/>
+        </p:nvPicPr>
+        <p:blipFill>
+          <a:blip r:embed="rId2"/>
+          <a:stretch>
+            <a:fillRect/>
+          </a:stretch>
+        </p:blipFill>
+        <p:spPr>
+          <a:xfrm>
+            <a:off x="0" y="1119331"/>
+            <a:ext cx="9525000" cy="4610100"/>
+          </a:xfrm>
+          <a:prstGeom prst="rect">
+            <a:avLst/>
+          </a:prstGeom>
+        </p:spPr>
+      </p:pic>
+      <p:sp>
+        <p:nvSpPr>
+          <p:cNvPr id="5" name="TextBox 4">
+            <a:extLst>
+              <a:ext uri="{FF2B5EF4-FFF2-40B4-BE49-F238E27FC236}">
+                <a16:creationId xmlns:a16="http://schemas.microsoft.com/office/drawing/2014/main" id="{7E2BA473-3F69-4C43-98F8-45DD95CB79F2}"/>
+              </a:ext>
+            </a:extLst>
+          </p:cNvPr>
+          <p:cNvSpPr txBox="1"/>
+          <p:nvPr/>
+        </p:nvSpPr>
+        <p:spPr>
+          <a:xfrm>
+            <a:off x="267855" y="212436"/>
+            <a:ext cx="7684654" cy="400110"/>
+          </a:xfrm>
+          <a:prstGeom prst="rect">
+            <a:avLst/>
+          </a:prstGeom>
+          <a:noFill/>
+        </p:spPr>
+        <p:txBody>
+          <a:bodyPr wrap="square" rtlCol="0">
+            <a:spAutoFit/>
+          </a:bodyPr>
+          <a:lstStyle/>
+          <a:p>
+            <a:r>
+              <a:rPr lang="en-US" dirty="0"/>
+              <a:t>Read from a file using </a:t>
+            </a:r>
+            <a:r>
+              <a:rPr lang="en-US" dirty="0" err="1"/>
+              <a:t>fgetc</a:t>
+            </a:r>
+            <a:r>
+              <a:rPr lang="en-US" dirty="0"/>
+              <a:t>()  </a:t>
+            </a:r>
+          </a:p>
+        </p:txBody>
+      </p:sp>
+    </p:spTree>
+    <p:extLst>
+      <p:ext uri="{BB962C8B-B14F-4D97-AF65-F5344CB8AC3E}">
+        <p14:creationId xmlns:p14="http://schemas.microsoft.com/office/powerpoint/2010/main" val="4053075515"/>
+      </p:ext>
+    </p:extLst>
+  </p:cSld>
+  <p:clrMapOvr>
+    <a:masterClrMapping/>
+  </p:clrMapOvr>
+</p:sld>
+</file>
+
+<file path=ppt/slides/slide12.xml><?xml version="1.0" encoding="utf-8"?>
+<p:sld xmlns:a="http://schemas.openxmlformats.org/drawingml/2006/main" xmlns:r="http://schemas.openxmlformats.org/officeDocument/2006/relationships" xmlns:p="http://schemas.openxmlformats.org/presentationml/2006/main">
+  <p:cSld>
+    <p:spTree>
+      <p:nvGrpSpPr>
+        <p:cNvPr id="1" name=""/>
+        <p:cNvGrpSpPr/>
+        <p:nvPr/>
+      </p:nvGrpSpPr>
+      <p:grpSpPr>
+        <a:xfrm>
+          <a:off x="0" y="0"/>
+          <a:ext cx="0" cy="0"/>
+          <a:chOff x="0" y="0"/>
+          <a:chExt cx="0" cy="0"/>
+        </a:xfrm>
+      </p:grpSpPr>
+      <p:pic>
+        <p:nvPicPr>
+          <p:cNvPr id="4" name="Picture 3">
+            <a:extLst>
+              <a:ext uri="{FF2B5EF4-FFF2-40B4-BE49-F238E27FC236}">
+                <a16:creationId xmlns:a16="http://schemas.microsoft.com/office/drawing/2014/main" id="{C4E58CBB-95D2-4CE7-A699-2AD2082B8769}"/>
+              </a:ext>
+            </a:extLst>
+          </p:cNvPr>
+          <p:cNvPicPr>
+            <a:picLocks noChangeAspect="1"/>
+          </p:cNvPicPr>
+          <p:nvPr/>
+        </p:nvPicPr>
+        <p:blipFill>
+          <a:blip r:embed="rId2"/>
+          <a:stretch>
+            <a:fillRect/>
+          </a:stretch>
+        </p:blipFill>
+        <p:spPr>
+          <a:xfrm>
+            <a:off x="3306366" y="0"/>
+            <a:ext cx="6308940" cy="7772400"/>
+          </a:xfrm>
+          <a:prstGeom prst="rect">
+            <a:avLst/>
+          </a:prstGeom>
+        </p:spPr>
+      </p:pic>
+      <p:sp>
+        <p:nvSpPr>
+          <p:cNvPr id="5" name="Rectangle 4">
+            <a:extLst>
+              <a:ext uri="{FF2B5EF4-FFF2-40B4-BE49-F238E27FC236}">
+                <a16:creationId xmlns:a16="http://schemas.microsoft.com/office/drawing/2014/main" id="{11524655-7B49-410D-8D99-12268A4CDEDE}"/>
+              </a:ext>
+            </a:extLst>
+          </p:cNvPr>
+          <p:cNvSpPr/>
+          <p:nvPr/>
+        </p:nvSpPr>
+        <p:spPr>
+          <a:xfrm>
+            <a:off x="0" y="611658"/>
+            <a:ext cx="3403315" cy="770083"/>
+          </a:xfrm>
+          <a:prstGeom prst="rect">
+            <a:avLst/>
+          </a:prstGeom>
+        </p:spPr>
+        <p:txBody>
+          <a:bodyPr wrap="square">
+            <a:spAutoFit/>
+          </a:bodyPr>
+          <a:lstStyle/>
+          <a:p>
+            <a:pPr>
+              <a:lnSpc>
+                <a:spcPct val="115000"/>
+              </a:lnSpc>
+            </a:pPr>
+            <a:r>
+              <a:rPr lang="en-US" b="1" kern="0" dirty="0">
+                <a:solidFill>
+                  <a:srgbClr val="365F91"/>
+                </a:solidFill>
+                <a:latin typeface="Cambria" panose="02040503050406030204" pitchFamily="18" charset="0"/>
+                <a:ea typeface="Times New Roman" panose="02020603050405020304" pitchFamily="18" charset="0"/>
+                <a:cs typeface="Times New Roman" panose="02020603050405020304" pitchFamily="18" charset="0"/>
+              </a:rPr>
+              <a:t>I/O one line at a time: </a:t>
+            </a:r>
+          </a:p>
+          <a:p>
+            <a:pPr>
+              <a:lnSpc>
+                <a:spcPct val="115000"/>
+              </a:lnSpc>
+            </a:pPr>
+            <a:r>
+              <a:rPr lang="en-US" b="1" kern="0" dirty="0" err="1">
+                <a:solidFill>
+                  <a:srgbClr val="365F91"/>
+                </a:solidFill>
+                <a:latin typeface="Cambria" panose="02040503050406030204" pitchFamily="18" charset="0"/>
+                <a:ea typeface="Times New Roman" panose="02020603050405020304" pitchFamily="18" charset="0"/>
+                <a:cs typeface="Times New Roman" panose="02020603050405020304" pitchFamily="18" charset="0"/>
+              </a:rPr>
+              <a:t>fgets</a:t>
+            </a:r>
+            <a:r>
+              <a:rPr lang="en-US" b="1" kern="0" dirty="0">
+                <a:solidFill>
+                  <a:srgbClr val="365F91"/>
+                </a:solidFill>
+                <a:latin typeface="Cambria" panose="02040503050406030204" pitchFamily="18" charset="0"/>
+                <a:ea typeface="Times New Roman" panose="02020603050405020304" pitchFamily="18" charset="0"/>
+                <a:cs typeface="Times New Roman" panose="02020603050405020304" pitchFamily="18" charset="0"/>
+              </a:rPr>
+              <a:t>, </a:t>
+            </a:r>
+            <a:r>
+              <a:rPr lang="en-US" b="1" kern="0" dirty="0" err="1">
+                <a:solidFill>
+                  <a:srgbClr val="365F91"/>
+                </a:solidFill>
+                <a:latin typeface="Cambria" panose="02040503050406030204" pitchFamily="18" charset="0"/>
+                <a:ea typeface="Times New Roman" panose="02020603050405020304" pitchFamily="18" charset="0"/>
+                <a:cs typeface="Times New Roman" panose="02020603050405020304" pitchFamily="18" charset="0"/>
+              </a:rPr>
+              <a:t>fputs</a:t>
+            </a:r>
+            <a:endParaRPr lang="en-US" b="1" kern="0" dirty="0">
+              <a:solidFill>
+                <a:srgbClr val="365F91"/>
+              </a:solidFill>
+              <a:latin typeface="Cambria" panose="02040503050406030204" pitchFamily="18" charset="0"/>
+              <a:ea typeface="Times New Roman" panose="02020603050405020304" pitchFamily="18" charset="0"/>
+              <a:cs typeface="Times New Roman" panose="02020603050405020304" pitchFamily="18" charset="0"/>
+            </a:endParaRPr>
+          </a:p>
+        </p:txBody>
+      </p:sp>
+    </p:spTree>
+    <p:extLst>
+      <p:ext uri="{BB962C8B-B14F-4D97-AF65-F5344CB8AC3E}">
+        <p14:creationId xmlns:p14="http://schemas.microsoft.com/office/powerpoint/2010/main" val="1114900924"/>
+      </p:ext>
+    </p:extLst>
+  </p:cSld>
+  <p:clrMapOvr>
+    <a:masterClrMapping/>
+  </p:clrMapOvr>
+</p:sld>
+</file>
+
+<file path=ppt/slides/slide13.xml><?xml version="1.0" encoding="utf-8"?>
+<p:sld xmlns:a="http://schemas.openxmlformats.org/drawingml/2006/main" xmlns:r="http://schemas.openxmlformats.org/officeDocument/2006/relationships" xmlns:p="http://schemas.openxmlformats.org/presentationml/2006/main">
+  <p:cSld>
+    <p:spTree>
+      <p:nvGrpSpPr>
+        <p:cNvPr id="1" name=""/>
+        <p:cNvGrpSpPr/>
+        <p:nvPr/>
+      </p:nvGrpSpPr>
+      <p:grpSpPr>
+        <a:xfrm>
+          <a:off x="0" y="0"/>
+          <a:ext cx="0" cy="0"/>
+          <a:chOff x="0" y="0"/>
+          <a:chExt cx="0" cy="0"/>
+        </a:xfrm>
+      </p:grpSpPr>
+      <p:sp>
+        <p:nvSpPr>
+          <p:cNvPr id="3" name="Text Placeholder 2"/>
+          <p:cNvSpPr>
+            <a:spLocks noGrp="1"/>
+          </p:cNvSpPr>
+          <p:nvPr>
+            <p:ph type="body" sz="quarter" idx="12"/>
+          </p:nvPr>
+        </p:nvSpPr>
+        <p:spPr>
+          <a:xfrm>
+            <a:off x="99916" y="295736"/>
+            <a:ext cx="10258928" cy="6727371"/>
+          </a:xfrm>
+        </p:spPr>
+        <p:txBody>
+          <a:bodyPr/>
+          <a:lstStyle/>
+          <a:p>
+            <a:pPr marL="0" indent="0">
+              <a:spcBef>
+                <a:spcPts val="0"/>
+              </a:spcBef>
+              <a:buNone/>
+            </a:pPr>
+            <a:r>
+              <a:rPr lang="en-US" sz="1800" b="1" dirty="0">
+                <a:solidFill>
+                  <a:schemeClr val="tx1"/>
+                </a:solidFill>
+                <a:latin typeface="Courier" charset="0"/>
+                <a:ea typeface="Courier" charset="0"/>
+                <a:cs typeface="Courier" charset="0"/>
+              </a:rPr>
+              <a:t>/* File I/O Example */</a:t>
+            </a:r>
+          </a:p>
+          <a:p>
+            <a:pPr marL="0" indent="0">
+              <a:spcBef>
+                <a:spcPts val="0"/>
+              </a:spcBef>
+              <a:buNone/>
+            </a:pPr>
+            <a:r>
+              <a:rPr lang="en-US" sz="1800" b="1" dirty="0">
+                <a:solidFill>
+                  <a:schemeClr val="tx1"/>
+                </a:solidFill>
+                <a:latin typeface="Courier" charset="0"/>
+                <a:ea typeface="Courier" charset="0"/>
+                <a:cs typeface="Courier" charset="0"/>
+              </a:rPr>
+              <a:t>#include &lt;</a:t>
+            </a:r>
+            <a:r>
+              <a:rPr lang="en-US" sz="1800" b="1" dirty="0" err="1">
+                <a:solidFill>
+                  <a:schemeClr val="tx1"/>
+                </a:solidFill>
+                <a:latin typeface="Courier" charset="0"/>
+                <a:ea typeface="Courier" charset="0"/>
+                <a:cs typeface="Courier" charset="0"/>
+              </a:rPr>
+              <a:t>stdio.h</a:t>
+            </a:r>
+            <a:r>
+              <a:rPr lang="en-US" sz="1800" b="1" dirty="0">
+                <a:solidFill>
+                  <a:schemeClr val="tx1"/>
+                </a:solidFill>
+                <a:latin typeface="Courier" charset="0"/>
+                <a:ea typeface="Courier" charset="0"/>
+                <a:cs typeface="Courier" charset="0"/>
+              </a:rPr>
+              <a:t>&gt;</a:t>
+            </a:r>
+          </a:p>
+          <a:p>
+            <a:pPr marL="0" indent="0">
+              <a:spcBef>
+                <a:spcPts val="0"/>
+              </a:spcBef>
+              <a:buNone/>
+            </a:pPr>
+            <a:r>
+              <a:rPr lang="en-US" sz="1800" b="1" dirty="0" err="1">
+                <a:solidFill>
+                  <a:schemeClr val="tx1"/>
+                </a:solidFill>
+                <a:latin typeface="Courier" charset="0"/>
+                <a:ea typeface="Courier" charset="0"/>
+                <a:cs typeface="Courier" charset="0"/>
+              </a:rPr>
+              <a:t>int</a:t>
+            </a:r>
+            <a:r>
+              <a:rPr lang="en-US" sz="1800" b="1" dirty="0">
+                <a:solidFill>
+                  <a:schemeClr val="tx1"/>
+                </a:solidFill>
+                <a:latin typeface="Courier" charset="0"/>
+                <a:ea typeface="Courier" charset="0"/>
+                <a:cs typeface="Courier" charset="0"/>
+              </a:rPr>
+              <a:t> main(){</a:t>
+            </a:r>
+          </a:p>
+          <a:p>
+            <a:pPr marL="0" indent="0">
+              <a:spcBef>
+                <a:spcPts val="0"/>
+              </a:spcBef>
+              <a:buNone/>
+            </a:pPr>
+            <a:r>
+              <a:rPr lang="de-DE" sz="1800" b="1" dirty="0">
+                <a:solidFill>
+                  <a:schemeClr val="tx1"/>
+                </a:solidFill>
+                <a:latin typeface="Courier" charset="0"/>
+                <a:ea typeface="Courier" charset="0"/>
+                <a:cs typeface="Courier" charset="0"/>
+              </a:rPr>
+              <a:t>	FILE *</a:t>
+            </a:r>
+            <a:r>
+              <a:rPr lang="de-DE" sz="1800" b="1" dirty="0" err="1">
+                <a:solidFill>
+                  <a:schemeClr val="tx1"/>
+                </a:solidFill>
+                <a:latin typeface="Courier" charset="0"/>
+                <a:ea typeface="Courier" charset="0"/>
+                <a:cs typeface="Courier" charset="0"/>
+              </a:rPr>
+              <a:t>file</a:t>
+            </a:r>
+            <a:r>
+              <a:rPr lang="de-DE" sz="1800" b="1" dirty="0">
+                <a:solidFill>
+                  <a:schemeClr val="tx1"/>
+                </a:solidFill>
+                <a:latin typeface="Courier" charset="0"/>
+                <a:ea typeface="Courier" charset="0"/>
+                <a:cs typeface="Courier" charset="0"/>
+              </a:rPr>
+              <a:t>;</a:t>
+            </a:r>
+          </a:p>
+          <a:p>
+            <a:pPr marL="0" indent="0">
+              <a:spcBef>
+                <a:spcPts val="0"/>
+              </a:spcBef>
+              <a:buNone/>
+            </a:pPr>
+            <a:r>
+              <a:rPr lang="ro-RO" sz="1800" b="1" dirty="0">
+                <a:solidFill>
+                  <a:schemeClr val="tx1"/>
+                </a:solidFill>
+                <a:latin typeface="Courier" charset="0"/>
+                <a:ea typeface="Courier" charset="0"/>
+                <a:cs typeface="Courier" charset="0"/>
+              </a:rPr>
+              <a:t>	</a:t>
+            </a:r>
+            <a:r>
+              <a:rPr lang="ro-RO" sz="1800" b="1" dirty="0" err="1">
+                <a:solidFill>
+                  <a:schemeClr val="tx1"/>
+                </a:solidFill>
+                <a:latin typeface="Courier" charset="0"/>
+                <a:ea typeface="Courier" charset="0"/>
+                <a:cs typeface="Courier" charset="0"/>
+              </a:rPr>
+              <a:t>char</a:t>
+            </a:r>
+            <a:r>
+              <a:rPr lang="ro-RO" sz="1800" b="1" dirty="0">
+                <a:solidFill>
+                  <a:schemeClr val="tx1"/>
+                </a:solidFill>
+                <a:latin typeface="Courier" charset="0"/>
+                <a:ea typeface="Courier" charset="0"/>
+                <a:cs typeface="Courier" charset="0"/>
+              </a:rPr>
+              <a:t> buffer[100];</a:t>
+            </a:r>
+          </a:p>
+          <a:p>
+            <a:pPr marL="0" indent="0">
+              <a:spcBef>
+                <a:spcPts val="0"/>
+              </a:spcBef>
+              <a:buNone/>
+            </a:pPr>
+            <a:endParaRPr lang="ro-RO" sz="1800" b="1" dirty="0">
+              <a:solidFill>
+                <a:schemeClr val="tx1"/>
+              </a:solidFill>
+              <a:latin typeface="Courier" charset="0"/>
+              <a:ea typeface="Courier" charset="0"/>
+              <a:cs typeface="Courier" charset="0"/>
+            </a:endParaRPr>
+          </a:p>
+          <a:p>
+            <a:pPr marL="0" indent="0">
+              <a:spcBef>
+                <a:spcPts val="0"/>
+              </a:spcBef>
+              <a:buNone/>
+            </a:pPr>
+            <a:r>
+              <a:rPr lang="ro-RO" sz="1800" b="1" dirty="0">
+                <a:solidFill>
+                  <a:schemeClr val="tx1"/>
+                </a:solidFill>
+                <a:latin typeface="Courier" charset="0"/>
+                <a:ea typeface="Courier" charset="0"/>
+                <a:cs typeface="Courier" charset="0"/>
+              </a:rPr>
+              <a:t>	//</a:t>
+            </a:r>
+            <a:r>
+              <a:rPr lang="ro-RO" sz="1800" b="1" dirty="0">
+                <a:solidFill>
+                  <a:schemeClr val="bg1"/>
+                </a:solidFill>
+                <a:latin typeface="Courier" charset="0"/>
+                <a:ea typeface="Courier" charset="0"/>
+                <a:cs typeface="Courier" charset="0"/>
+              </a:rPr>
+              <a:t>open a file </a:t>
+            </a:r>
+            <a:r>
+              <a:rPr lang="ro-RO" sz="1800" b="1" dirty="0" err="1">
+                <a:solidFill>
+                  <a:schemeClr val="bg1"/>
+                </a:solidFill>
+                <a:latin typeface="Courier" charset="0"/>
+                <a:ea typeface="Courier" charset="0"/>
+                <a:cs typeface="Courier" charset="0"/>
+              </a:rPr>
+              <a:t>to</a:t>
+            </a:r>
+            <a:r>
+              <a:rPr lang="ro-RO" sz="1800" b="1" dirty="0">
+                <a:solidFill>
+                  <a:schemeClr val="bg1"/>
+                </a:solidFill>
+                <a:latin typeface="Courier" charset="0"/>
+                <a:ea typeface="Courier" charset="0"/>
+                <a:cs typeface="Courier" charset="0"/>
+              </a:rPr>
+              <a:t> </a:t>
+            </a:r>
+            <a:r>
+              <a:rPr lang="ro-RO" sz="1800" b="1" dirty="0" err="1">
+                <a:solidFill>
+                  <a:schemeClr val="bg1"/>
+                </a:solidFill>
+                <a:latin typeface="Courier" charset="0"/>
+                <a:ea typeface="Courier" charset="0"/>
+                <a:cs typeface="Courier" charset="0"/>
+              </a:rPr>
+              <a:t>write</a:t>
+            </a:r>
+            <a:r>
+              <a:rPr lang="ro-RO" sz="1800" b="1" dirty="0">
+                <a:solidFill>
+                  <a:schemeClr val="bg1"/>
+                </a:solidFill>
+                <a:latin typeface="Courier" charset="0"/>
+                <a:ea typeface="Courier" charset="0"/>
+                <a:cs typeface="Courier" charset="0"/>
+              </a:rPr>
+              <a:t> </a:t>
+            </a:r>
+            <a:r>
+              <a:rPr lang="ro-RO" sz="1800" b="1" dirty="0" err="1">
+                <a:solidFill>
+                  <a:schemeClr val="bg1"/>
+                </a:solidFill>
+                <a:latin typeface="Courier" charset="0"/>
+                <a:ea typeface="Courier" charset="0"/>
+                <a:cs typeface="Courier" charset="0"/>
+              </a:rPr>
+              <a:t>to</a:t>
+            </a:r>
+            <a:endParaRPr lang="ro-RO" sz="1800" b="1" dirty="0">
+              <a:solidFill>
+                <a:schemeClr val="bg1"/>
+              </a:solidFill>
+              <a:latin typeface="Courier" charset="0"/>
+              <a:ea typeface="Courier" charset="0"/>
+              <a:cs typeface="Courier" charset="0"/>
+            </a:endParaRPr>
+          </a:p>
+          <a:p>
+            <a:pPr marL="0" indent="0">
+              <a:spcBef>
+                <a:spcPts val="0"/>
+              </a:spcBef>
+              <a:buNone/>
+            </a:pPr>
+            <a:r>
+              <a:rPr lang="ro-RO" sz="1800" b="1" dirty="0">
+                <a:solidFill>
+                  <a:schemeClr val="bg1"/>
+                </a:solidFill>
+                <a:latin typeface="Courier" charset="0"/>
+                <a:ea typeface="Courier" charset="0"/>
+                <a:cs typeface="Courier" charset="0"/>
+              </a:rPr>
+              <a:t>	</a:t>
+            </a:r>
+            <a:r>
+              <a:rPr lang="pl-PL" sz="1800" b="1" dirty="0">
+                <a:solidFill>
+                  <a:schemeClr val="tx1"/>
+                </a:solidFill>
+                <a:latin typeface="Courier" charset="0"/>
+                <a:ea typeface="Courier" charset="0"/>
+                <a:cs typeface="Courier" charset="0"/>
+              </a:rPr>
+              <a:t>file = </a:t>
+            </a:r>
+            <a:r>
+              <a:rPr lang="pl-PL" sz="1800" b="1" dirty="0" err="1">
+                <a:solidFill>
+                  <a:schemeClr val="tx1"/>
+                </a:solidFill>
+                <a:latin typeface="Courier" charset="0"/>
+                <a:ea typeface="Courier" charset="0"/>
+                <a:cs typeface="Courier" charset="0"/>
+              </a:rPr>
+              <a:t>fopen</a:t>
+            </a:r>
+            <a:r>
+              <a:rPr lang="pl-PL" sz="1800" b="1" dirty="0">
+                <a:solidFill>
+                  <a:schemeClr val="tx1"/>
+                </a:solidFill>
+                <a:latin typeface="Courier" charset="0"/>
+                <a:ea typeface="Courier" charset="0"/>
+                <a:cs typeface="Courier" charset="0"/>
+              </a:rPr>
+              <a:t>("</a:t>
+            </a:r>
+            <a:r>
+              <a:rPr lang="pl-PL" sz="1800" b="1" dirty="0" err="1">
+                <a:solidFill>
+                  <a:schemeClr val="tx1"/>
+                </a:solidFill>
+                <a:latin typeface="Courier" charset="0"/>
+                <a:ea typeface="Courier" charset="0"/>
+                <a:cs typeface="Courier" charset="0"/>
+              </a:rPr>
+              <a:t>intro.txt</a:t>
+            </a:r>
+            <a:r>
+              <a:rPr lang="pl-PL" sz="1800" b="1" dirty="0">
+                <a:solidFill>
+                  <a:schemeClr val="tx1"/>
+                </a:solidFill>
+                <a:latin typeface="Courier" charset="0"/>
+                <a:ea typeface="Courier" charset="0"/>
+                <a:cs typeface="Courier" charset="0"/>
+              </a:rPr>
+              <a:t>", "w");</a:t>
+            </a:r>
+          </a:p>
+          <a:p>
+            <a:pPr marL="0" indent="0">
+              <a:spcBef>
+                <a:spcPts val="0"/>
+              </a:spcBef>
+              <a:buNone/>
+            </a:pPr>
+            <a:endParaRPr lang="pl-PL" sz="1800" b="1" dirty="0">
+              <a:solidFill>
+                <a:schemeClr val="tx1"/>
+              </a:solidFill>
+              <a:latin typeface="Courier" charset="0"/>
+              <a:ea typeface="Courier" charset="0"/>
+              <a:cs typeface="Courier" charset="0"/>
+            </a:endParaRPr>
+          </a:p>
+          <a:p>
+            <a:pPr marL="0" indent="0">
+              <a:spcBef>
+                <a:spcPts val="0"/>
+              </a:spcBef>
+              <a:buNone/>
+            </a:pPr>
+            <a:r>
+              <a:rPr lang="pl-PL" sz="1800" b="1" dirty="0">
+                <a:solidFill>
+                  <a:schemeClr val="tx1"/>
+                </a:solidFill>
+                <a:latin typeface="Courier" charset="0"/>
+                <a:ea typeface="Courier" charset="0"/>
+                <a:cs typeface="Courier" charset="0"/>
+              </a:rPr>
+              <a:t>	//</a:t>
+            </a:r>
+            <a:r>
+              <a:rPr lang="pl-PL" sz="1800" b="1" dirty="0" err="1">
+                <a:solidFill>
+                  <a:schemeClr val="bg1"/>
+                </a:solidFill>
+                <a:latin typeface="Courier" charset="0"/>
+                <a:ea typeface="Courier" charset="0"/>
+                <a:cs typeface="Courier" charset="0"/>
+              </a:rPr>
+              <a:t>use</a:t>
+            </a:r>
+            <a:r>
+              <a:rPr lang="pl-PL" sz="1800" b="1" dirty="0">
+                <a:solidFill>
+                  <a:schemeClr val="bg1"/>
+                </a:solidFill>
+                <a:latin typeface="Courier" charset="0"/>
+                <a:ea typeface="Courier" charset="0"/>
+                <a:cs typeface="Courier" charset="0"/>
+              </a:rPr>
+              <a:t> </a:t>
+            </a:r>
+            <a:r>
+              <a:rPr lang="pl-PL" sz="1800" b="1" dirty="0" err="1">
+                <a:solidFill>
+                  <a:schemeClr val="bg1"/>
+                </a:solidFill>
+                <a:latin typeface="Courier" charset="0"/>
+                <a:ea typeface="Courier" charset="0"/>
+                <a:cs typeface="Courier" charset="0"/>
+              </a:rPr>
+              <a:t>fgets</a:t>
+            </a:r>
+            <a:r>
+              <a:rPr lang="pl-PL" sz="1800" b="1" dirty="0">
+                <a:solidFill>
+                  <a:schemeClr val="bg1"/>
+                </a:solidFill>
+                <a:latin typeface="Courier" charset="0"/>
+                <a:ea typeface="Courier" charset="0"/>
+                <a:cs typeface="Courier" charset="0"/>
+              </a:rPr>
+              <a:t> to </a:t>
+            </a:r>
+            <a:r>
+              <a:rPr lang="pl-PL" sz="1800" b="1" dirty="0" err="1">
+                <a:solidFill>
+                  <a:schemeClr val="bg1"/>
+                </a:solidFill>
+                <a:latin typeface="Courier" charset="0"/>
+                <a:ea typeface="Courier" charset="0"/>
+                <a:cs typeface="Courier" charset="0"/>
+              </a:rPr>
+              <a:t>get</a:t>
+            </a:r>
+            <a:r>
+              <a:rPr lang="pl-PL" sz="1800" b="1" dirty="0">
+                <a:solidFill>
+                  <a:schemeClr val="bg1"/>
+                </a:solidFill>
+                <a:latin typeface="Courier" charset="0"/>
+                <a:ea typeface="Courier" charset="0"/>
+                <a:cs typeface="Courier" charset="0"/>
+              </a:rPr>
+              <a:t> </a:t>
+            </a:r>
+            <a:r>
+              <a:rPr lang="pl-PL" sz="1800" b="1" dirty="0" err="1">
+                <a:solidFill>
+                  <a:schemeClr val="bg1"/>
+                </a:solidFill>
+                <a:latin typeface="Courier" charset="0"/>
+                <a:ea typeface="Courier" charset="0"/>
+                <a:cs typeface="Courier" charset="0"/>
+              </a:rPr>
+              <a:t>input</a:t>
+            </a:r>
+            <a:r>
+              <a:rPr lang="pl-PL" sz="1800" b="1" dirty="0">
+                <a:solidFill>
+                  <a:schemeClr val="bg1"/>
+                </a:solidFill>
+                <a:latin typeface="Courier" charset="0"/>
+                <a:ea typeface="Courier" charset="0"/>
+                <a:cs typeface="Courier" charset="0"/>
+              </a:rPr>
+              <a:t> from </a:t>
+            </a:r>
+            <a:r>
+              <a:rPr lang="pl-PL" sz="1800" b="1" dirty="0" err="1">
+                <a:solidFill>
+                  <a:schemeClr val="bg1"/>
+                </a:solidFill>
+                <a:latin typeface="Courier" charset="0"/>
+                <a:ea typeface="Courier" charset="0"/>
+                <a:cs typeface="Courier" charset="0"/>
+              </a:rPr>
+              <a:t>user</a:t>
+            </a:r>
+            <a:endParaRPr lang="pl-PL" sz="1800" b="1" dirty="0">
+              <a:solidFill>
+                <a:schemeClr val="bg1"/>
+              </a:solidFill>
+              <a:latin typeface="Courier" charset="0"/>
+              <a:ea typeface="Courier" charset="0"/>
+              <a:cs typeface="Courier" charset="0"/>
+            </a:endParaRPr>
+          </a:p>
+          <a:p>
+            <a:pPr marL="0" indent="0">
+              <a:spcBef>
+                <a:spcPts val="0"/>
+              </a:spcBef>
+              <a:buNone/>
+            </a:pPr>
+            <a:r>
+              <a:rPr lang="pl-PL" sz="1800" b="1" dirty="0">
+                <a:solidFill>
+                  <a:schemeClr val="bg1"/>
+                </a:solidFill>
+                <a:latin typeface="Courier" charset="0"/>
+                <a:ea typeface="Courier" charset="0"/>
+                <a:cs typeface="Courier" charset="0"/>
+              </a:rPr>
+              <a:t>	</a:t>
+            </a:r>
+            <a:r>
+              <a:rPr lang="pl-PL" sz="1800" b="1" dirty="0" err="1">
+                <a:solidFill>
+                  <a:schemeClr val="tx1"/>
+                </a:solidFill>
+                <a:latin typeface="Courier" charset="0"/>
+                <a:ea typeface="Courier" charset="0"/>
+                <a:cs typeface="Courier" charset="0"/>
+              </a:rPr>
+              <a:t>printf</a:t>
+            </a:r>
+            <a:r>
+              <a:rPr lang="pl-PL" sz="1800" b="1" dirty="0">
+                <a:solidFill>
+                  <a:schemeClr val="tx1"/>
+                </a:solidFill>
+                <a:latin typeface="Courier" charset="0"/>
+                <a:ea typeface="Courier" charset="0"/>
+                <a:cs typeface="Courier" charset="0"/>
+              </a:rPr>
+              <a:t>("Write a </a:t>
+            </a:r>
+            <a:r>
+              <a:rPr lang="pl-PL" sz="1800" b="1" dirty="0" err="1">
+                <a:solidFill>
+                  <a:schemeClr val="tx1"/>
+                </a:solidFill>
+                <a:latin typeface="Courier" charset="0"/>
+                <a:ea typeface="Courier" charset="0"/>
+                <a:cs typeface="Courier" charset="0"/>
+              </a:rPr>
+              <a:t>self</a:t>
+            </a:r>
+            <a:r>
+              <a:rPr lang="pl-PL" sz="1800" b="1" dirty="0">
+                <a:solidFill>
+                  <a:schemeClr val="tx1"/>
+                </a:solidFill>
+                <a:latin typeface="Courier" charset="0"/>
+                <a:ea typeface="Courier" charset="0"/>
+                <a:cs typeface="Courier" charset="0"/>
+              </a:rPr>
+              <a:t> </a:t>
+            </a:r>
+            <a:r>
+              <a:rPr lang="pl-PL" sz="1800" b="1" dirty="0" err="1">
+                <a:solidFill>
+                  <a:schemeClr val="tx1"/>
+                </a:solidFill>
+                <a:latin typeface="Courier" charset="0"/>
+                <a:ea typeface="Courier" charset="0"/>
+                <a:cs typeface="Courier" charset="0"/>
+              </a:rPr>
+              <a:t>introduction</a:t>
+            </a:r>
+            <a:r>
+              <a:rPr lang="pl-PL" sz="1800" b="1" dirty="0">
+                <a:solidFill>
+                  <a:schemeClr val="tx1"/>
+                </a:solidFill>
+                <a:latin typeface="Courier" charset="0"/>
+                <a:ea typeface="Courier" charset="0"/>
+                <a:cs typeface="Courier" charset="0"/>
+              </a:rPr>
+              <a:t> with less </a:t>
+            </a:r>
+            <a:r>
+              <a:rPr lang="pl-PL" sz="1800" b="1" dirty="0" err="1">
+                <a:solidFill>
+                  <a:schemeClr val="tx1"/>
+                </a:solidFill>
+                <a:latin typeface="Courier" charset="0"/>
+                <a:ea typeface="Courier" charset="0"/>
+                <a:cs typeface="Courier" charset="0"/>
+              </a:rPr>
+              <a:t>than</a:t>
+            </a:r>
+            <a:r>
+              <a:rPr lang="pl-PL" sz="1800" b="1" dirty="0">
+                <a:solidFill>
+                  <a:schemeClr val="tx1"/>
+                </a:solidFill>
+                <a:latin typeface="Courier" charset="0"/>
+                <a:ea typeface="Courier" charset="0"/>
+                <a:cs typeface="Courier" charset="0"/>
+              </a:rPr>
+              <a:t> 100 </a:t>
+            </a:r>
+            <a:r>
+              <a:rPr lang="pl-PL" sz="1800" b="1" dirty="0" err="1">
+                <a:solidFill>
+                  <a:schemeClr val="tx1"/>
+                </a:solidFill>
+                <a:latin typeface="Courier" charset="0"/>
+                <a:ea typeface="Courier" charset="0"/>
+                <a:cs typeface="Courier" charset="0"/>
+              </a:rPr>
+              <a:t>characters</a:t>
+            </a:r>
+            <a:r>
+              <a:rPr lang="pl-PL" sz="1800" b="1" dirty="0">
+                <a:solidFill>
+                  <a:schemeClr val="tx1"/>
+                </a:solidFill>
+                <a:latin typeface="Courier" charset="0"/>
+                <a:ea typeface="Courier" charset="0"/>
+                <a:cs typeface="Courier" charset="0"/>
+              </a:rPr>
+              <a:t>: ");</a:t>
+            </a:r>
+          </a:p>
+          <a:p>
+            <a:pPr marL="0" indent="0">
+              <a:spcBef>
+                <a:spcPts val="0"/>
+              </a:spcBef>
+              <a:buNone/>
+            </a:pPr>
+            <a:r>
+              <a:rPr lang="pl-PL" sz="1800" b="1" dirty="0">
+                <a:solidFill>
+                  <a:schemeClr val="tx1"/>
+                </a:solidFill>
+                <a:latin typeface="Courier" charset="0"/>
+                <a:ea typeface="Courier" charset="0"/>
+                <a:cs typeface="Courier" charset="0"/>
+              </a:rPr>
+              <a:t>	</a:t>
+            </a:r>
+            <a:r>
+              <a:rPr lang="de-DE" sz="1800" b="1" dirty="0" err="1">
+                <a:solidFill>
+                  <a:schemeClr val="tx1"/>
+                </a:solidFill>
+                <a:latin typeface="Courier" charset="0"/>
+                <a:ea typeface="Courier" charset="0"/>
+                <a:cs typeface="Courier" charset="0"/>
+              </a:rPr>
+              <a:t>fgets</a:t>
+            </a:r>
+            <a:r>
+              <a:rPr lang="de-DE" sz="1800" b="1" dirty="0">
+                <a:solidFill>
+                  <a:schemeClr val="tx1"/>
+                </a:solidFill>
+                <a:latin typeface="Courier" charset="0"/>
+                <a:ea typeface="Courier" charset="0"/>
+                <a:cs typeface="Courier" charset="0"/>
+              </a:rPr>
+              <a:t>(</a:t>
+            </a:r>
+            <a:r>
+              <a:rPr lang="de-DE" sz="1800" b="1" dirty="0" err="1">
+                <a:solidFill>
+                  <a:schemeClr val="tx1"/>
+                </a:solidFill>
+                <a:latin typeface="Courier" charset="0"/>
+                <a:ea typeface="Courier" charset="0"/>
+                <a:cs typeface="Courier" charset="0"/>
+              </a:rPr>
+              <a:t>buffer</a:t>
+            </a:r>
+            <a:r>
+              <a:rPr lang="de-DE" sz="1800" b="1" dirty="0">
+                <a:solidFill>
+                  <a:schemeClr val="tx1"/>
+                </a:solidFill>
+                <a:latin typeface="Courier" charset="0"/>
+                <a:ea typeface="Courier" charset="0"/>
+                <a:cs typeface="Courier" charset="0"/>
+              </a:rPr>
+              <a:t>, 100, </a:t>
+            </a:r>
+            <a:r>
+              <a:rPr lang="de-DE" sz="1800" b="1" dirty="0" err="1">
+                <a:solidFill>
+                  <a:schemeClr val="tx1"/>
+                </a:solidFill>
+                <a:latin typeface="Courier" charset="0"/>
+                <a:ea typeface="Courier" charset="0"/>
+                <a:cs typeface="Courier" charset="0"/>
+              </a:rPr>
+              <a:t>stdin</a:t>
+            </a:r>
+            <a:r>
+              <a:rPr lang="de-DE" sz="1800" b="1" dirty="0">
+                <a:solidFill>
+                  <a:schemeClr val="tx1"/>
+                </a:solidFill>
+                <a:latin typeface="Courier" charset="0"/>
+                <a:ea typeface="Courier" charset="0"/>
+                <a:cs typeface="Courier" charset="0"/>
+              </a:rPr>
+              <a:t>);</a:t>
+            </a:r>
+          </a:p>
+          <a:p>
+            <a:pPr marL="0" indent="0">
+              <a:spcBef>
+                <a:spcPts val="0"/>
+              </a:spcBef>
+              <a:buNone/>
+            </a:pPr>
+            <a:endParaRPr lang="de-DE" sz="1800" b="1" dirty="0">
+              <a:solidFill>
+                <a:schemeClr val="tx1"/>
+              </a:solidFill>
+              <a:latin typeface="Courier" charset="0"/>
+              <a:ea typeface="Courier" charset="0"/>
+              <a:cs typeface="Courier" charset="0"/>
+            </a:endParaRPr>
+          </a:p>
+          <a:p>
+            <a:pPr marL="0" indent="0">
+              <a:spcBef>
+                <a:spcPts val="0"/>
+              </a:spcBef>
+              <a:buNone/>
+            </a:pPr>
+            <a:r>
+              <a:rPr lang="de-DE" sz="1800" b="1" dirty="0">
+                <a:solidFill>
+                  <a:schemeClr val="tx1"/>
+                </a:solidFill>
+                <a:latin typeface="Courier" charset="0"/>
+                <a:ea typeface="Courier" charset="0"/>
+                <a:cs typeface="Courier" charset="0"/>
+              </a:rPr>
+              <a:t>	//</a:t>
+            </a:r>
+            <a:r>
+              <a:rPr lang="de-DE" sz="1800" b="1" dirty="0" err="1">
+                <a:solidFill>
+                  <a:schemeClr val="bg1"/>
+                </a:solidFill>
+                <a:latin typeface="Courier" charset="0"/>
+                <a:ea typeface="Courier" charset="0"/>
+                <a:cs typeface="Courier" charset="0"/>
+              </a:rPr>
+              <a:t>use</a:t>
+            </a:r>
+            <a:r>
+              <a:rPr lang="de-DE" sz="1800" b="1" dirty="0">
+                <a:solidFill>
+                  <a:schemeClr val="bg1"/>
+                </a:solidFill>
+                <a:latin typeface="Courier" charset="0"/>
+                <a:ea typeface="Courier" charset="0"/>
+                <a:cs typeface="Courier" charset="0"/>
+              </a:rPr>
+              <a:t> </a:t>
+            </a:r>
+            <a:r>
+              <a:rPr lang="de-DE" sz="1800" b="1" dirty="0" err="1">
+                <a:solidFill>
+                  <a:schemeClr val="bg1"/>
+                </a:solidFill>
+                <a:latin typeface="Courier" charset="0"/>
+                <a:ea typeface="Courier" charset="0"/>
+                <a:cs typeface="Courier" charset="0"/>
+              </a:rPr>
+              <a:t>fputs</a:t>
+            </a:r>
+            <a:r>
+              <a:rPr lang="de-DE" sz="1800" b="1" dirty="0">
+                <a:solidFill>
+                  <a:schemeClr val="bg1"/>
+                </a:solidFill>
+                <a:latin typeface="Courier" charset="0"/>
+                <a:ea typeface="Courier" charset="0"/>
+                <a:cs typeface="Courier" charset="0"/>
+              </a:rPr>
+              <a:t> </a:t>
+            </a:r>
+            <a:r>
+              <a:rPr lang="de-DE" sz="1800" b="1" dirty="0" err="1">
+                <a:solidFill>
+                  <a:schemeClr val="bg1"/>
+                </a:solidFill>
+                <a:latin typeface="Courier" charset="0"/>
+                <a:ea typeface="Courier" charset="0"/>
+                <a:cs typeface="Courier" charset="0"/>
+              </a:rPr>
+              <a:t>to</a:t>
+            </a:r>
+            <a:r>
+              <a:rPr lang="de-DE" sz="1800" b="1" dirty="0">
+                <a:solidFill>
+                  <a:schemeClr val="bg1"/>
+                </a:solidFill>
+                <a:latin typeface="Courier" charset="0"/>
+                <a:ea typeface="Courier" charset="0"/>
+                <a:cs typeface="Courier" charset="0"/>
+              </a:rPr>
+              <a:t> save </a:t>
+            </a:r>
+            <a:r>
+              <a:rPr lang="de-DE" sz="1800" b="1" dirty="0" err="1">
+                <a:solidFill>
+                  <a:schemeClr val="bg1"/>
+                </a:solidFill>
+                <a:latin typeface="Courier" charset="0"/>
+                <a:ea typeface="Courier" charset="0"/>
+                <a:cs typeface="Courier" charset="0"/>
+              </a:rPr>
+              <a:t>user</a:t>
+            </a:r>
+            <a:r>
+              <a:rPr lang="de-DE" sz="1800" b="1" dirty="0">
+                <a:solidFill>
+                  <a:schemeClr val="bg1"/>
+                </a:solidFill>
+                <a:latin typeface="Courier" charset="0"/>
+                <a:ea typeface="Courier" charset="0"/>
+                <a:cs typeface="Courier" charset="0"/>
+              </a:rPr>
+              <a:t> </a:t>
+            </a:r>
+            <a:r>
+              <a:rPr lang="de-DE" sz="1800" b="1" dirty="0" err="1">
+                <a:solidFill>
+                  <a:schemeClr val="bg1"/>
+                </a:solidFill>
+                <a:latin typeface="Courier" charset="0"/>
+                <a:ea typeface="Courier" charset="0"/>
+                <a:cs typeface="Courier" charset="0"/>
+              </a:rPr>
+              <a:t>input</a:t>
+            </a:r>
+            <a:r>
+              <a:rPr lang="de-DE" sz="1800" b="1" dirty="0">
+                <a:solidFill>
+                  <a:schemeClr val="bg1"/>
+                </a:solidFill>
+                <a:latin typeface="Courier" charset="0"/>
+                <a:ea typeface="Courier" charset="0"/>
+                <a:cs typeface="Courier" charset="0"/>
+              </a:rPr>
+              <a:t> </a:t>
+            </a:r>
+            <a:r>
+              <a:rPr lang="de-DE" sz="1800" b="1" dirty="0" err="1">
+                <a:solidFill>
+                  <a:schemeClr val="bg1"/>
+                </a:solidFill>
+                <a:latin typeface="Courier" charset="0"/>
+                <a:ea typeface="Courier" charset="0"/>
+                <a:cs typeface="Courier" charset="0"/>
+              </a:rPr>
+              <a:t>from</a:t>
+            </a:r>
+            <a:r>
+              <a:rPr lang="de-DE" sz="1800" b="1" dirty="0">
+                <a:solidFill>
+                  <a:schemeClr val="bg1"/>
+                </a:solidFill>
+                <a:latin typeface="Courier" charset="0"/>
+                <a:ea typeface="Courier" charset="0"/>
+                <a:cs typeface="Courier" charset="0"/>
+              </a:rPr>
+              <a:t> </a:t>
+            </a:r>
+            <a:r>
+              <a:rPr lang="de-DE" sz="1800" b="1" dirty="0" err="1">
+                <a:solidFill>
+                  <a:schemeClr val="bg1"/>
+                </a:solidFill>
+                <a:latin typeface="Courier" charset="0"/>
+                <a:ea typeface="Courier" charset="0"/>
+                <a:cs typeface="Courier" charset="0"/>
+              </a:rPr>
+              <a:t>buffer</a:t>
+            </a:r>
+            <a:r>
+              <a:rPr lang="de-DE" sz="1800" b="1" dirty="0">
+                <a:solidFill>
+                  <a:schemeClr val="bg1"/>
+                </a:solidFill>
+                <a:latin typeface="Courier" charset="0"/>
+                <a:ea typeface="Courier" charset="0"/>
+                <a:cs typeface="Courier" charset="0"/>
+              </a:rPr>
+              <a:t> </a:t>
+            </a:r>
+            <a:r>
+              <a:rPr lang="de-DE" sz="1800" b="1" dirty="0" err="1">
+                <a:solidFill>
+                  <a:schemeClr val="bg1"/>
+                </a:solidFill>
+                <a:latin typeface="Courier" charset="0"/>
+                <a:ea typeface="Courier" charset="0"/>
+                <a:cs typeface="Courier" charset="0"/>
+              </a:rPr>
+              <a:t>to</a:t>
+            </a:r>
+            <a:r>
+              <a:rPr lang="de-DE" sz="1800" b="1" dirty="0">
+                <a:solidFill>
+                  <a:schemeClr val="bg1"/>
+                </a:solidFill>
+                <a:latin typeface="Courier" charset="0"/>
+                <a:ea typeface="Courier" charset="0"/>
+                <a:cs typeface="Courier" charset="0"/>
+              </a:rPr>
+              <a:t> </a:t>
+            </a:r>
+            <a:r>
+              <a:rPr lang="de-DE" sz="1800" b="1" dirty="0" err="1">
+                <a:solidFill>
+                  <a:schemeClr val="bg1"/>
+                </a:solidFill>
+                <a:latin typeface="Courier" charset="0"/>
+                <a:ea typeface="Courier" charset="0"/>
+                <a:cs typeface="Courier" charset="0"/>
+              </a:rPr>
+              <a:t>file</a:t>
+            </a:r>
+            <a:endParaRPr lang="de-DE" sz="1800" b="1" dirty="0">
+              <a:solidFill>
+                <a:schemeClr val="bg1"/>
+              </a:solidFill>
+              <a:latin typeface="Courier" charset="0"/>
+              <a:ea typeface="Courier" charset="0"/>
+              <a:cs typeface="Courier" charset="0"/>
+            </a:endParaRPr>
+          </a:p>
+          <a:p>
+            <a:pPr marL="0" indent="0">
+              <a:spcBef>
+                <a:spcPts val="0"/>
+              </a:spcBef>
+              <a:buNone/>
+            </a:pPr>
+            <a:r>
+              <a:rPr lang="de-DE" sz="1800" b="1" dirty="0">
+                <a:solidFill>
+                  <a:schemeClr val="tx1"/>
+                </a:solidFill>
+                <a:latin typeface="Courier" charset="0"/>
+                <a:ea typeface="Courier" charset="0"/>
+                <a:cs typeface="Courier" charset="0"/>
+              </a:rPr>
+              <a:t>	</a:t>
+            </a:r>
+            <a:r>
+              <a:rPr lang="de-DE" sz="1800" b="1" dirty="0" err="1">
+                <a:solidFill>
+                  <a:schemeClr val="tx1"/>
+                </a:solidFill>
+                <a:latin typeface="Courier" charset="0"/>
+                <a:ea typeface="Courier" charset="0"/>
+                <a:cs typeface="Courier" charset="0"/>
+              </a:rPr>
+              <a:t>fputs</a:t>
+            </a:r>
+            <a:r>
+              <a:rPr lang="de-DE" sz="1800" b="1" dirty="0">
+                <a:solidFill>
+                  <a:schemeClr val="tx1"/>
+                </a:solidFill>
+                <a:latin typeface="Courier" charset="0"/>
+                <a:ea typeface="Courier" charset="0"/>
+                <a:cs typeface="Courier" charset="0"/>
+              </a:rPr>
+              <a:t>("</a:t>
+            </a:r>
+            <a:r>
+              <a:rPr lang="de-DE" sz="1800" b="1" dirty="0" err="1">
+                <a:solidFill>
+                  <a:schemeClr val="tx1"/>
+                </a:solidFill>
+                <a:latin typeface="Courier" charset="0"/>
+                <a:ea typeface="Courier" charset="0"/>
+                <a:cs typeface="Courier" charset="0"/>
+              </a:rPr>
+              <a:t>Your</a:t>
+            </a:r>
+            <a:r>
+              <a:rPr lang="de-DE" sz="1800" b="1" dirty="0">
+                <a:solidFill>
+                  <a:schemeClr val="tx1"/>
+                </a:solidFill>
+                <a:latin typeface="Courier" charset="0"/>
+                <a:ea typeface="Courier" charset="0"/>
+                <a:cs typeface="Courier" charset="0"/>
+              </a:rPr>
+              <a:t> </a:t>
+            </a:r>
+            <a:r>
+              <a:rPr lang="de-DE" sz="1800" b="1" dirty="0" err="1">
+                <a:solidFill>
+                  <a:schemeClr val="tx1"/>
+                </a:solidFill>
+                <a:latin typeface="Courier" charset="0"/>
+                <a:ea typeface="Courier" charset="0"/>
+                <a:cs typeface="Courier" charset="0"/>
+              </a:rPr>
+              <a:t>self</a:t>
+            </a:r>
+            <a:r>
+              <a:rPr lang="de-DE" sz="1800" b="1" dirty="0">
+                <a:solidFill>
+                  <a:schemeClr val="tx1"/>
+                </a:solidFill>
+                <a:latin typeface="Courier" charset="0"/>
+                <a:ea typeface="Courier" charset="0"/>
+                <a:cs typeface="Courier" charset="0"/>
+              </a:rPr>
+              <a:t> </a:t>
+            </a:r>
+            <a:r>
+              <a:rPr lang="de-DE" sz="1800" b="1" dirty="0" err="1">
+                <a:solidFill>
+                  <a:schemeClr val="tx1"/>
+                </a:solidFill>
+                <a:latin typeface="Courier" charset="0"/>
+                <a:ea typeface="Courier" charset="0"/>
+                <a:cs typeface="Courier" charset="0"/>
+              </a:rPr>
+              <a:t>introduction</a:t>
+            </a:r>
+            <a:r>
+              <a:rPr lang="de-DE" sz="1800" b="1" dirty="0">
+                <a:solidFill>
+                  <a:schemeClr val="tx1"/>
+                </a:solidFill>
+                <a:latin typeface="Courier" charset="0"/>
+                <a:ea typeface="Courier" charset="0"/>
+                <a:cs typeface="Courier" charset="0"/>
+              </a:rPr>
+              <a:t>: ", </a:t>
+            </a:r>
+            <a:r>
+              <a:rPr lang="de-DE" sz="1800" b="1" dirty="0" err="1">
+                <a:solidFill>
+                  <a:schemeClr val="tx1"/>
+                </a:solidFill>
+                <a:latin typeface="Courier" charset="0"/>
+                <a:ea typeface="Courier" charset="0"/>
+                <a:cs typeface="Courier" charset="0"/>
+              </a:rPr>
+              <a:t>file</a:t>
+            </a:r>
+            <a:r>
+              <a:rPr lang="de-DE" sz="1800" b="1" dirty="0">
+                <a:solidFill>
+                  <a:schemeClr val="tx1"/>
+                </a:solidFill>
+                <a:latin typeface="Courier" charset="0"/>
+                <a:ea typeface="Courier" charset="0"/>
+                <a:cs typeface="Courier" charset="0"/>
+              </a:rPr>
+              <a:t>);</a:t>
+            </a:r>
+          </a:p>
+          <a:p>
+            <a:pPr marL="0" indent="0">
+              <a:spcBef>
+                <a:spcPts val="0"/>
+              </a:spcBef>
+              <a:buNone/>
+            </a:pPr>
+            <a:r>
+              <a:rPr lang="de-DE" sz="1800" b="1" dirty="0">
+                <a:solidFill>
+                  <a:schemeClr val="tx1"/>
+                </a:solidFill>
+                <a:latin typeface="Courier" charset="0"/>
+                <a:ea typeface="Courier" charset="0"/>
+                <a:cs typeface="Courier" charset="0"/>
+              </a:rPr>
+              <a:t>	</a:t>
+            </a:r>
+            <a:r>
+              <a:rPr lang="de-DE" sz="1800" b="1" dirty="0" err="1">
+                <a:solidFill>
+                  <a:schemeClr val="tx1"/>
+                </a:solidFill>
+                <a:latin typeface="Courier" charset="0"/>
+                <a:ea typeface="Courier" charset="0"/>
+                <a:cs typeface="Courier" charset="0"/>
+              </a:rPr>
+              <a:t>fputs</a:t>
+            </a:r>
+            <a:r>
+              <a:rPr lang="de-DE" sz="1800" b="1" dirty="0">
+                <a:solidFill>
+                  <a:schemeClr val="tx1"/>
+                </a:solidFill>
+                <a:latin typeface="Courier" charset="0"/>
+                <a:ea typeface="Courier" charset="0"/>
+                <a:cs typeface="Courier" charset="0"/>
+              </a:rPr>
+              <a:t>(</a:t>
+            </a:r>
+            <a:r>
+              <a:rPr lang="de-DE" sz="1800" b="1" dirty="0" err="1">
+                <a:solidFill>
+                  <a:schemeClr val="tx1"/>
+                </a:solidFill>
+                <a:latin typeface="Courier" charset="0"/>
+                <a:ea typeface="Courier" charset="0"/>
+                <a:cs typeface="Courier" charset="0"/>
+              </a:rPr>
+              <a:t>buffer</a:t>
+            </a:r>
+            <a:r>
+              <a:rPr lang="de-DE" sz="1800" b="1" dirty="0">
+                <a:solidFill>
+                  <a:schemeClr val="tx1"/>
+                </a:solidFill>
+                <a:latin typeface="Courier" charset="0"/>
+                <a:ea typeface="Courier" charset="0"/>
+                <a:cs typeface="Courier" charset="0"/>
+              </a:rPr>
+              <a:t>, </a:t>
+            </a:r>
+            <a:r>
+              <a:rPr lang="de-DE" sz="1800" b="1" dirty="0" err="1">
+                <a:solidFill>
+                  <a:schemeClr val="tx1"/>
+                </a:solidFill>
+                <a:latin typeface="Courier" charset="0"/>
+                <a:ea typeface="Courier" charset="0"/>
+                <a:cs typeface="Courier" charset="0"/>
+              </a:rPr>
+              <a:t>file</a:t>
+            </a:r>
+            <a:r>
+              <a:rPr lang="de-DE" sz="1800" b="1" dirty="0">
+                <a:solidFill>
+                  <a:schemeClr val="tx1"/>
+                </a:solidFill>
+                <a:latin typeface="Courier" charset="0"/>
+                <a:ea typeface="Courier" charset="0"/>
+                <a:cs typeface="Courier" charset="0"/>
+              </a:rPr>
+              <a:t>);</a:t>
+            </a:r>
+          </a:p>
+          <a:p>
+            <a:pPr marL="0" indent="0">
+              <a:spcBef>
+                <a:spcPts val="0"/>
+              </a:spcBef>
+              <a:buNone/>
+            </a:pPr>
+            <a:endParaRPr lang="de-DE" sz="1800" b="1" dirty="0">
+              <a:solidFill>
+                <a:schemeClr val="tx1"/>
+              </a:solidFill>
+              <a:latin typeface="Courier" charset="0"/>
+              <a:ea typeface="Courier" charset="0"/>
+              <a:cs typeface="Courier" charset="0"/>
+            </a:endParaRPr>
+          </a:p>
+          <a:p>
+            <a:pPr marL="0" indent="0">
+              <a:spcBef>
+                <a:spcPts val="0"/>
+              </a:spcBef>
+              <a:buNone/>
+            </a:pPr>
+            <a:r>
+              <a:rPr lang="en-US" sz="1800" b="1" dirty="0">
+                <a:solidFill>
+                  <a:schemeClr val="tx1"/>
+                </a:solidFill>
+                <a:latin typeface="Courier" charset="0"/>
+                <a:ea typeface="Courier" charset="0"/>
+                <a:cs typeface="Courier" charset="0"/>
+              </a:rPr>
+              <a:t>	</a:t>
+            </a:r>
+            <a:r>
+              <a:rPr lang="en-US" sz="1800" b="1" dirty="0" err="1">
+                <a:solidFill>
+                  <a:schemeClr val="tx1"/>
+                </a:solidFill>
+                <a:latin typeface="Courier" charset="0"/>
+                <a:ea typeface="Courier" charset="0"/>
+                <a:cs typeface="Courier" charset="0"/>
+              </a:rPr>
+              <a:t>fclose</a:t>
+            </a:r>
+            <a:r>
+              <a:rPr lang="en-US" sz="1800" b="1" dirty="0">
+                <a:solidFill>
+                  <a:schemeClr val="tx1"/>
+                </a:solidFill>
+                <a:latin typeface="Courier" charset="0"/>
+                <a:ea typeface="Courier" charset="0"/>
+                <a:cs typeface="Courier" charset="0"/>
+              </a:rPr>
+              <a:t>(file);</a:t>
+            </a:r>
+          </a:p>
+          <a:p>
+            <a:pPr marL="0" indent="0">
+              <a:spcBef>
+                <a:spcPts val="0"/>
+              </a:spcBef>
+              <a:buNone/>
+            </a:pPr>
+            <a:endParaRPr lang="en-US" sz="1800" b="1" dirty="0">
+              <a:solidFill>
+                <a:schemeClr val="tx1"/>
+              </a:solidFill>
+              <a:latin typeface="Courier" charset="0"/>
+              <a:ea typeface="Courier" charset="0"/>
+              <a:cs typeface="Courier" charset="0"/>
+            </a:endParaRPr>
+          </a:p>
+          <a:p>
+            <a:pPr marL="0" indent="0">
+              <a:spcBef>
+                <a:spcPts val="0"/>
+              </a:spcBef>
+              <a:buNone/>
+            </a:pPr>
+            <a:r>
+              <a:rPr lang="en-US" sz="1800" b="1" dirty="0">
+                <a:solidFill>
+                  <a:schemeClr val="tx1"/>
+                </a:solidFill>
+                <a:latin typeface="Courier" charset="0"/>
+                <a:ea typeface="Courier" charset="0"/>
+                <a:cs typeface="Courier" charset="0"/>
+              </a:rPr>
+              <a:t>	//</a:t>
+            </a:r>
+            <a:r>
+              <a:rPr lang="en-US" sz="1800" b="1" dirty="0">
+                <a:solidFill>
+                  <a:schemeClr val="bg1"/>
+                </a:solidFill>
+                <a:latin typeface="Courier" charset="0"/>
+                <a:ea typeface="Courier" charset="0"/>
+                <a:cs typeface="Courier" charset="0"/>
+              </a:rPr>
+              <a:t>use </a:t>
+            </a:r>
+            <a:r>
+              <a:rPr lang="en-US" sz="1800" b="1" dirty="0" err="1">
+                <a:solidFill>
+                  <a:schemeClr val="bg1"/>
+                </a:solidFill>
+                <a:latin typeface="Courier" charset="0"/>
+                <a:ea typeface="Courier" charset="0"/>
+                <a:cs typeface="Courier" charset="0"/>
+              </a:rPr>
+              <a:t>fputs</a:t>
+            </a:r>
+            <a:r>
+              <a:rPr lang="en-US" sz="1800" b="1" dirty="0">
+                <a:solidFill>
+                  <a:schemeClr val="bg1"/>
+                </a:solidFill>
+                <a:latin typeface="Courier" charset="0"/>
+                <a:ea typeface="Courier" charset="0"/>
+                <a:cs typeface="Courier" charset="0"/>
+              </a:rPr>
+              <a:t> to display string in buffer</a:t>
+            </a:r>
+          </a:p>
+          <a:p>
+            <a:pPr marL="0" indent="0">
+              <a:spcBef>
+                <a:spcPts val="0"/>
+              </a:spcBef>
+              <a:buNone/>
+            </a:pPr>
+            <a:r>
+              <a:rPr lang="en-US" sz="1800" b="1" dirty="0">
+                <a:solidFill>
+                  <a:schemeClr val="tx1"/>
+                </a:solidFill>
+                <a:latin typeface="Courier" charset="0"/>
+                <a:ea typeface="Courier" charset="0"/>
+                <a:cs typeface="Courier" charset="0"/>
+              </a:rPr>
+              <a:t>	</a:t>
+            </a:r>
+            <a:r>
+              <a:rPr lang="en-US" sz="1800" b="1" dirty="0" err="1">
+                <a:solidFill>
+                  <a:schemeClr val="tx1"/>
+                </a:solidFill>
+                <a:latin typeface="Courier" charset="0"/>
+                <a:ea typeface="Courier" charset="0"/>
+                <a:cs typeface="Courier" charset="0"/>
+              </a:rPr>
+              <a:t>fputs</a:t>
+            </a:r>
+            <a:r>
+              <a:rPr lang="en-US" sz="1800" b="1" dirty="0">
+                <a:solidFill>
+                  <a:schemeClr val="tx1"/>
+                </a:solidFill>
+                <a:latin typeface="Courier" charset="0"/>
+                <a:ea typeface="Courier" charset="0"/>
+                <a:cs typeface="Courier" charset="0"/>
+              </a:rPr>
+              <a:t>(buffer, </a:t>
+            </a:r>
+            <a:r>
+              <a:rPr lang="en-US" sz="1800" b="1" dirty="0" err="1">
+                <a:solidFill>
+                  <a:schemeClr val="tx1"/>
+                </a:solidFill>
+                <a:latin typeface="Courier" charset="0"/>
+                <a:ea typeface="Courier" charset="0"/>
+                <a:cs typeface="Courier" charset="0"/>
+              </a:rPr>
+              <a:t>stdout</a:t>
+            </a:r>
+            <a:r>
+              <a:rPr lang="en-US" sz="1800" b="1" dirty="0">
+                <a:solidFill>
+                  <a:schemeClr val="tx1"/>
+                </a:solidFill>
+                <a:latin typeface="Courier" charset="0"/>
+                <a:ea typeface="Courier" charset="0"/>
+                <a:cs typeface="Courier" charset="0"/>
+              </a:rPr>
+              <a:t>);</a:t>
+            </a:r>
+          </a:p>
+          <a:p>
+            <a:pPr marL="509412" lvl="1" indent="0">
+              <a:spcBef>
+                <a:spcPts val="0"/>
+              </a:spcBef>
+              <a:buNone/>
+            </a:pPr>
+            <a:endParaRPr lang="en-US" sz="1800" b="1" dirty="0">
+              <a:solidFill>
+                <a:schemeClr val="tx1"/>
+              </a:solidFill>
+              <a:latin typeface="Courier" charset="0"/>
+              <a:ea typeface="Courier" charset="0"/>
+              <a:cs typeface="Courier" charset="0"/>
+            </a:endParaRPr>
+          </a:p>
+          <a:p>
+            <a:pPr marL="509412" lvl="1" indent="0">
+              <a:spcBef>
+                <a:spcPts val="0"/>
+              </a:spcBef>
+              <a:buNone/>
+            </a:pPr>
+            <a:r>
+              <a:rPr lang="en-US" sz="1800" b="1" dirty="0">
+                <a:solidFill>
+                  <a:schemeClr val="tx1"/>
+                </a:solidFill>
+                <a:latin typeface="Courier" charset="0"/>
+                <a:ea typeface="Courier" charset="0"/>
+                <a:cs typeface="Courier" charset="0"/>
+              </a:rPr>
+              <a:t>return 0;</a:t>
+            </a:r>
+          </a:p>
+          <a:p>
+            <a:pPr marL="0" indent="0">
+              <a:spcBef>
+                <a:spcPts val="0"/>
+              </a:spcBef>
+              <a:buNone/>
+            </a:pPr>
+            <a:r>
+              <a:rPr lang="en-US" sz="1800" b="1" dirty="0">
+                <a:solidFill>
+                  <a:schemeClr val="tx1"/>
+                </a:solidFill>
+                <a:latin typeface="Courier" charset="0"/>
+                <a:ea typeface="Courier" charset="0"/>
+                <a:cs typeface="Courier" charset="0"/>
+              </a:rPr>
+              <a:t>}</a:t>
+            </a:r>
+          </a:p>
+        </p:txBody>
+      </p:sp>
+      <p:sp>
+        <p:nvSpPr>
+          <p:cNvPr id="4" name="TextBox 3"/>
+          <p:cNvSpPr txBox="1"/>
+          <p:nvPr/>
+        </p:nvSpPr>
+        <p:spPr>
+          <a:xfrm>
+            <a:off x="9647865" y="6614044"/>
+            <a:ext cx="314510" cy="400110"/>
+          </a:xfrm>
+          <a:prstGeom prst="rect">
+            <a:avLst/>
+          </a:prstGeom>
+          <a:noFill/>
+        </p:spPr>
+        <p:txBody>
+          <a:bodyPr wrap="none" rtlCol="0">
+            <a:spAutoFit/>
+          </a:bodyPr>
+          <a:lstStyle/>
+          <a:p>
+            <a:r>
+              <a:rPr lang="en-US" dirty="0"/>
+              <a:t>9</a:t>
+            </a:r>
+          </a:p>
+        </p:txBody>
+      </p:sp>
+    </p:spTree>
+    <p:extLst>
+      <p:ext uri="{BB962C8B-B14F-4D97-AF65-F5344CB8AC3E}">
+        <p14:creationId xmlns:p14="http://schemas.microsoft.com/office/powerpoint/2010/main" val="1782651369"/>
+      </p:ext>
+    </p:extLst>
+  </p:cSld>
+  <p:clrMapOvr>
+    <a:masterClrMapping/>
+  </p:clrMapOvr>
+</p:sld>
+</file>
+
+<file path=ppt/slides/slide14.xml><?xml version="1.0" encoding="utf-8"?>
+<p:sld xmlns:a="http://schemas.openxmlformats.org/drawingml/2006/main" xmlns:r="http://schemas.openxmlformats.org/officeDocument/2006/relationships" xmlns:p="http://schemas.openxmlformats.org/presentationml/2006/main">
+  <p:cSld>
+    <p:spTree>
+      <p:nvGrpSpPr>
+        <p:cNvPr id="1" name=""/>
+        <p:cNvGrpSpPr/>
+        <p:nvPr/>
+      </p:nvGrpSpPr>
+      <p:grpSpPr>
+        <a:xfrm>
+          <a:off x="0" y="0"/>
+          <a:ext cx="0" cy="0"/>
+          <a:chOff x="0" y="0"/>
+          <a:chExt cx="0" cy="0"/>
+        </a:xfrm>
+      </p:grpSpPr>
+      <p:pic>
+        <p:nvPicPr>
+          <p:cNvPr id="4" name="Picture 3">
+            <a:extLst>
+              <a:ext uri="{FF2B5EF4-FFF2-40B4-BE49-F238E27FC236}">
+                <a16:creationId xmlns:a16="http://schemas.microsoft.com/office/drawing/2014/main" id="{CC2F3C4B-5AC6-4247-97E1-53D775778D87}"/>
+              </a:ext>
+            </a:extLst>
+          </p:cNvPr>
+          <p:cNvPicPr>
+            <a:picLocks noChangeAspect="1"/>
+          </p:cNvPicPr>
+          <p:nvPr/>
+        </p:nvPicPr>
+        <p:blipFill>
+          <a:blip r:embed="rId2"/>
+          <a:stretch>
+            <a:fillRect/>
+          </a:stretch>
+        </p:blipFill>
+        <p:spPr>
+          <a:xfrm>
+            <a:off x="143164" y="127002"/>
+            <a:ext cx="7910945" cy="3036597"/>
+          </a:xfrm>
+          <a:prstGeom prst="rect">
+            <a:avLst/>
+          </a:prstGeom>
+        </p:spPr>
+      </p:pic>
+      <p:pic>
+        <p:nvPicPr>
+          <p:cNvPr id="5" name="Picture 4">
+            <a:extLst>
+              <a:ext uri="{FF2B5EF4-FFF2-40B4-BE49-F238E27FC236}">
+                <a16:creationId xmlns:a16="http://schemas.microsoft.com/office/drawing/2014/main" id="{B5E4CE12-7176-4DFB-8120-6A5D46B8FBED}"/>
+              </a:ext>
+            </a:extLst>
+          </p:cNvPr>
+          <p:cNvPicPr>
+            <a:picLocks noChangeAspect="1"/>
+          </p:cNvPicPr>
+          <p:nvPr/>
+        </p:nvPicPr>
+        <p:blipFill>
+          <a:blip r:embed="rId3"/>
+          <a:stretch>
+            <a:fillRect/>
+          </a:stretch>
+        </p:blipFill>
+        <p:spPr>
+          <a:xfrm>
+            <a:off x="4371975" y="2924175"/>
+            <a:ext cx="5686425" cy="4848225"/>
+          </a:xfrm>
+          <a:prstGeom prst="rect">
+            <a:avLst/>
+          </a:prstGeom>
+        </p:spPr>
+      </p:pic>
+    </p:spTree>
+    <p:extLst>
+      <p:ext uri="{BB962C8B-B14F-4D97-AF65-F5344CB8AC3E}">
+        <p14:creationId xmlns:p14="http://schemas.microsoft.com/office/powerpoint/2010/main" val="3336692741"/>
+      </p:ext>
+    </p:extLst>
+  </p:cSld>
+  <p:clrMapOvr>
+    <a:masterClrMapping/>
+  </p:clrMapOvr>
+  <p:timing>
+    <p:tnLst>
+      <p:par>
+        <p:cTn id="1" dur="indefinite" restart="never" nodeType="tmRoot">
+          <p:childTnLst>
+            <p:seq concurrent="1" nextAc="seek">
+              <p:cTn id="2" dur="indefinite" nodeType="mainSeq">
+                <p:childTnLst>
+                  <p:par>
+                    <p:cTn id="3" fill="hold">
+                      <p:stCondLst>
+                        <p:cond delay="indefinite"/>
+                      </p:stCondLst>
+                      <p:childTnLst>
+                        <p:par>
+                          <p:cTn id="4" fill="hold">
+                            <p:stCondLst>
+                              <p:cond delay="0"/>
+                            </p:stCondLst>
+                            <p:childTnLst>
+                              <p:par>
+                                <p:cTn id="5" presetID="1" presetClass="entr" presetSubtype="0" fill="hold" nodeType="clickEffect">
+                                  <p:stCondLst>
+                                    <p:cond delay="0"/>
+                                  </p:stCondLst>
+                                  <p:childTnLst>
+                                    <p:set>
+                                      <p:cBhvr>
+                                        <p:cTn id="6" dur="1" fill="hold">
+                                          <p:stCondLst>
+                                            <p:cond delay="0"/>
+                                          </p:stCondLst>
+                                        </p:cTn>
+                                        <p:tgtEl>
+                                          <p:spTgt spid="5"/>
+                                        </p:tgtEl>
+                                        <p:attrNameLst>
+                                          <p:attrName>style.visibility</p:attrName>
+                                        </p:attrNameLst>
+                                      </p:cBhvr>
+                                      <p:to>
+                                        <p:strVal val="visible"/>
+                                      </p:to>
+                                    </p:set>
+                                  </p:childTnLst>
+                                </p:cTn>
+                              </p:par>
+                            </p:childTnLst>
+                          </p:cTn>
+                        </p:par>
+                      </p:childTnLst>
+                    </p:cTn>
+                  </p:par>
+                </p:childTnLst>
+              </p:cTn>
+              <p:prevCondLst>
+                <p:cond evt="onPrev" delay="0">
+                  <p:tgtEl>
+                    <p:sldTgt/>
+                  </p:tgtEl>
+                </p:cond>
+              </p:prevCondLst>
+              <p:nextCondLst>
+                <p:cond evt="onNext" delay="0">
+                  <p:tgtEl>
+                    <p:sldTgt/>
+                  </p:tgtEl>
+                </p:cond>
+              </p:nextCondLst>
+            </p:seq>
+          </p:childTnLst>
+        </p:cTn>
+      </p:par>
+    </p:tnLst>
+  </p:timing>
+</p:sld>
+</file>
+
+<file path=ppt/slides/slide15.xml><?xml version="1.0" encoding="utf-8"?>
+<p:sld xmlns:a="http://schemas.openxmlformats.org/drawingml/2006/main" xmlns:r="http://schemas.openxmlformats.org/officeDocument/2006/relationships" xmlns:p="http://schemas.openxmlformats.org/presentationml/2006/main">
+  <p:cSld>
+    <p:spTree>
+      <p:nvGrpSpPr>
+        <p:cNvPr id="1" name=""/>
+        <p:cNvGrpSpPr/>
+        <p:nvPr/>
+      </p:nvGrpSpPr>
+      <p:grpSpPr>
+        <a:xfrm>
+          <a:off x="0" y="0"/>
+          <a:ext cx="0" cy="0"/>
+          <a:chOff x="0" y="0"/>
+          <a:chExt cx="0" cy="0"/>
+        </a:xfrm>
+      </p:grpSpPr>
       <p:sp>
         <p:nvSpPr>
           <p:cNvPr id="2" name="Text Placeholder 1"/>
@@ -3667,7 +5674,7 @@
 </p:sld>
 </file>
 
-<file path=ppt/slides/slide11.xml><?xml version="1.0" encoding="utf-8"?>
+<file path=ppt/slides/slide16.xml><?xml version="1.0" encoding="utf-8"?>
 <p:sld xmlns:a="http://schemas.openxmlformats.org/drawingml/2006/main" xmlns:r="http://schemas.openxmlformats.org/officeDocument/2006/relationships" xmlns:p="http://schemas.openxmlformats.org/presentationml/2006/main">
   <p:cSld>
     <p:spTree>
@@ -4840,7 +6847,13 @@
       </p:grpSpPr>
       <p:sp>
         <p:nvSpPr>
-          <p:cNvPr id="2" name="Text Placeholder 1"/>
+          <p:cNvPr id="2" name="Text Placeholder 1">
+            <a:extLst>
+              <a:ext uri="{FF2B5EF4-FFF2-40B4-BE49-F238E27FC236}">
+                <a16:creationId xmlns:a16="http://schemas.microsoft.com/office/drawing/2014/main" id="{A4A51FD4-E607-484E-AD3F-F3508693EADE}"/>
+              </a:ext>
+            </a:extLst>
+          </p:cNvPr>
           <p:cNvSpPr>
             <a:spLocks noGrp="1"/>
           </p:cNvSpPr>
@@ -4848,916 +6861,57 @@
             <p:ph type="body" sz="quarter" idx="10"/>
           </p:nvPr>
         </p:nvSpPr>
-        <p:spPr/>
+        <p:spPr>
+          <a:xfrm>
+            <a:off x="0" y="305089"/>
+            <a:ext cx="9245600" cy="742950"/>
+          </a:xfrm>
+        </p:spPr>
         <p:txBody>
           <a:bodyPr/>
           <a:lstStyle/>
           <a:p>
             <a:r>
               <a:rPr lang="en-US" dirty="0"/>
-              <a:t>Simple Buffer</a:t>
+              <a:t>Buffered Input</a:t>
             </a:r>
           </a:p>
         </p:txBody>
       </p:sp>
-      <p:sp>
-        <p:nvSpPr>
-          <p:cNvPr id="4" name="Content Placeholder 36"/>
-          <p:cNvSpPr txBox="1">
-            <a:spLocks/>
-          </p:cNvSpPr>
+      <p:pic>
+        <p:nvPicPr>
+          <p:cNvPr id="4" name="Picture 3">
+            <a:extLst>
+              <a:ext uri="{FF2B5EF4-FFF2-40B4-BE49-F238E27FC236}">
+                <a16:creationId xmlns:a16="http://schemas.microsoft.com/office/drawing/2014/main" id="{2B2B94E8-4C1B-40AB-B512-51D45E079E8A}"/>
+              </a:ext>
+            </a:extLst>
+          </p:cNvPr>
+          <p:cNvPicPr>
+            <a:picLocks noChangeAspect="1"/>
+          </p:cNvPicPr>
           <p:nvPr/>
-        </p:nvSpPr>
+        </p:nvPicPr>
+        <p:blipFill>
+          <a:blip r:embed="rId2"/>
+          <a:stretch>
+            <a:fillRect/>
+          </a:stretch>
+        </p:blipFill>
         <p:spPr>
           <a:xfrm>
-            <a:off x="6091875" y="2437894"/>
-            <a:ext cx="3705267" cy="3045576"/>
+            <a:off x="757814" y="1304059"/>
+            <a:ext cx="6677025" cy="4610100"/>
           </a:xfrm>
           <a:prstGeom prst="rect">
             <a:avLst/>
           </a:prstGeom>
         </p:spPr>
-        <p:txBody>
-          <a:bodyPr/>
-          <a:lstStyle>
-            <a:lvl1pPr marL="382059" indent="-382059" algn="l" defTabSz="509412" rtl="0" eaLnBrk="1" latinLnBrk="0" hangingPunct="1">
-              <a:spcBef>
-                <a:spcPct val="20000"/>
-              </a:spcBef>
-              <a:buFont typeface="Arial"/>
-              <a:buChar char="•"/>
-              <a:defRPr sz="3600" kern="1200">
-                <a:solidFill>
-                  <a:schemeClr val="tx1"/>
-                </a:solidFill>
-                <a:latin typeface="+mn-lt"/>
-                <a:ea typeface="+mn-ea"/>
-                <a:cs typeface="+mn-cs"/>
-              </a:defRPr>
-            </a:lvl1pPr>
-            <a:lvl2pPr marL="827795" indent="-318383" algn="l" defTabSz="509412" rtl="0" eaLnBrk="1" latinLnBrk="0" hangingPunct="1">
-              <a:spcBef>
-                <a:spcPct val="20000"/>
-              </a:spcBef>
-              <a:buFont typeface="Arial"/>
-              <a:buChar char="–"/>
-              <a:defRPr sz="3100" kern="1200">
-                <a:solidFill>
-                  <a:schemeClr val="tx1"/>
-                </a:solidFill>
-                <a:latin typeface="+mn-lt"/>
-                <a:ea typeface="+mn-ea"/>
-                <a:cs typeface="+mn-cs"/>
-              </a:defRPr>
-            </a:lvl2pPr>
-            <a:lvl3pPr marL="1273531" indent="-254706" algn="l" defTabSz="509412" rtl="0" eaLnBrk="1" latinLnBrk="0" hangingPunct="1">
-              <a:spcBef>
-                <a:spcPct val="20000"/>
-              </a:spcBef>
-              <a:buFont typeface="Arial"/>
-              <a:buChar char="•"/>
-              <a:defRPr sz="2700" kern="1200">
-                <a:solidFill>
-                  <a:schemeClr val="tx1"/>
-                </a:solidFill>
-                <a:latin typeface="+mn-lt"/>
-                <a:ea typeface="+mn-ea"/>
-                <a:cs typeface="+mn-cs"/>
-              </a:defRPr>
-            </a:lvl3pPr>
-            <a:lvl4pPr marL="1782943" indent="-254706" algn="l" defTabSz="509412" rtl="0" eaLnBrk="1" latinLnBrk="0" hangingPunct="1">
-              <a:spcBef>
-                <a:spcPct val="20000"/>
-              </a:spcBef>
-              <a:buFont typeface="Arial"/>
-              <a:buChar char="–"/>
-              <a:defRPr sz="2200" kern="1200">
-                <a:solidFill>
-                  <a:schemeClr val="tx1"/>
-                </a:solidFill>
-                <a:latin typeface="+mn-lt"/>
-                <a:ea typeface="+mn-ea"/>
-                <a:cs typeface="+mn-cs"/>
-              </a:defRPr>
-            </a:lvl4pPr>
-            <a:lvl5pPr marL="2292355" indent="-254706" algn="l" defTabSz="509412" rtl="0" eaLnBrk="1" latinLnBrk="0" hangingPunct="1">
-              <a:spcBef>
-                <a:spcPct val="20000"/>
-              </a:spcBef>
-              <a:buFont typeface="Arial"/>
-              <a:buChar char="»"/>
-              <a:defRPr sz="2200" kern="1200">
-                <a:solidFill>
-                  <a:schemeClr val="tx1"/>
-                </a:solidFill>
-                <a:latin typeface="+mn-lt"/>
-                <a:ea typeface="+mn-ea"/>
-                <a:cs typeface="+mn-cs"/>
-              </a:defRPr>
-            </a:lvl5pPr>
-            <a:lvl6pPr marL="2801767" indent="-254706" algn="l" defTabSz="509412" rtl="0" eaLnBrk="1" latinLnBrk="0" hangingPunct="1">
-              <a:spcBef>
-                <a:spcPct val="20000"/>
-              </a:spcBef>
-              <a:buFont typeface="Arial"/>
-              <a:buChar char="•"/>
-              <a:defRPr sz="2200" kern="1200">
-                <a:solidFill>
-                  <a:schemeClr val="tx1"/>
-                </a:solidFill>
-                <a:latin typeface="+mn-lt"/>
-                <a:ea typeface="+mn-ea"/>
-                <a:cs typeface="+mn-cs"/>
-              </a:defRPr>
-            </a:lvl6pPr>
-            <a:lvl7pPr marL="3311180" indent="-254706" algn="l" defTabSz="509412" rtl="0" eaLnBrk="1" latinLnBrk="0" hangingPunct="1">
-              <a:spcBef>
-                <a:spcPct val="20000"/>
-              </a:spcBef>
-              <a:buFont typeface="Arial"/>
-              <a:buChar char="•"/>
-              <a:defRPr sz="2200" kern="1200">
-                <a:solidFill>
-                  <a:schemeClr val="tx1"/>
-                </a:solidFill>
-                <a:latin typeface="+mn-lt"/>
-                <a:ea typeface="+mn-ea"/>
-                <a:cs typeface="+mn-cs"/>
-              </a:defRPr>
-            </a:lvl7pPr>
-            <a:lvl8pPr marL="3820592" indent="-254706" algn="l" defTabSz="509412" rtl="0" eaLnBrk="1" latinLnBrk="0" hangingPunct="1">
-              <a:spcBef>
-                <a:spcPct val="20000"/>
-              </a:spcBef>
-              <a:buFont typeface="Arial"/>
-              <a:buChar char="•"/>
-              <a:defRPr sz="2200" kern="1200">
-                <a:solidFill>
-                  <a:schemeClr val="tx1"/>
-                </a:solidFill>
-                <a:latin typeface="+mn-lt"/>
-                <a:ea typeface="+mn-ea"/>
-                <a:cs typeface="+mn-cs"/>
-              </a:defRPr>
-            </a:lvl8pPr>
-            <a:lvl9pPr marL="4330004" indent="-254706" algn="l" defTabSz="509412" rtl="0" eaLnBrk="1" latinLnBrk="0" hangingPunct="1">
-              <a:spcBef>
-                <a:spcPct val="20000"/>
-              </a:spcBef>
-              <a:buFont typeface="Arial"/>
-              <a:buChar char="•"/>
-              <a:defRPr sz="2200" kern="1200">
-                <a:solidFill>
-                  <a:schemeClr val="tx1"/>
-                </a:solidFill>
-                <a:latin typeface="+mn-lt"/>
-                <a:ea typeface="+mn-ea"/>
-                <a:cs typeface="+mn-cs"/>
-              </a:defRPr>
-            </a:lvl9pPr>
-          </a:lstStyle>
-          <a:p>
-            <a:pPr marL="285750" indent="-285750"/>
-            <a:r>
-              <a:rPr lang="en-US" sz="2200" b="1" dirty="0"/>
-              <a:t>Producer adds data at Tail</a:t>
-            </a:r>
-          </a:p>
-          <a:p>
-            <a:pPr marL="285750" indent="-285750"/>
-            <a:r>
-              <a:rPr lang="en-US" sz="2200" b="1" dirty="0"/>
-              <a:t>Consumer removes data from Head</a:t>
-            </a:r>
-          </a:p>
-          <a:p>
-            <a:pPr marL="285750" indent="-285750"/>
-            <a:r>
-              <a:rPr lang="en-US" sz="2200" b="1"/>
-              <a:t>Concept </a:t>
-            </a:r>
-            <a:r>
-              <a:rPr lang="en-US" sz="2200" b="1" dirty="0"/>
-              <a:t>of circular buffer</a:t>
-            </a:r>
-          </a:p>
-          <a:p>
-            <a:pPr marL="285750" indent="-285750"/>
-            <a:r>
-              <a:rPr lang="en-US" sz="2200" b="1" dirty="0"/>
-              <a:t>Also called First in, First Out (FIFO) or Queue</a:t>
-            </a:r>
-          </a:p>
-        </p:txBody>
-      </p:sp>
-      <p:sp>
-        <p:nvSpPr>
-          <p:cNvPr id="5" name="Rectangle 4"/>
-          <p:cNvSpPr/>
-          <p:nvPr/>
-        </p:nvSpPr>
-        <p:spPr>
-          <a:xfrm>
-            <a:off x="607415" y="2567438"/>
-            <a:ext cx="568377" cy="1572026"/>
-          </a:xfrm>
-          <a:prstGeom prst="rect">
-            <a:avLst/>
-          </a:prstGeom>
-          <a:ln w="38100">
-            <a:headEnd type="none"/>
-            <a:tailEnd type="triangle"/>
-          </a:ln>
-          <a:effectLst/>
-        </p:spPr>
-        <p:style>
-          <a:lnRef idx="2">
-            <a:schemeClr val="accent1"/>
-          </a:lnRef>
-          <a:fillRef idx="0">
-            <a:schemeClr val="accent1"/>
-          </a:fillRef>
-          <a:effectRef idx="1">
-            <a:schemeClr val="accent1"/>
-          </a:effectRef>
-          <a:fontRef idx="minor">
-            <a:schemeClr val="tx1"/>
-          </a:fontRef>
-        </p:style>
-        <p:txBody>
-          <a:bodyPr rtlCol="0" anchor="ctr"/>
-          <a:lstStyle/>
-          <a:p>
-            <a:pPr algn="ctr"/>
-            <a:endParaRPr lang="en-US" dirty="0"/>
-          </a:p>
-        </p:txBody>
-      </p:sp>
-      <p:sp>
-        <p:nvSpPr>
-          <p:cNvPr id="6" name="Rectangle 5"/>
-          <p:cNvSpPr/>
-          <p:nvPr/>
-        </p:nvSpPr>
-        <p:spPr>
-          <a:xfrm>
-            <a:off x="1175792" y="2567438"/>
-            <a:ext cx="568377" cy="1572026"/>
-          </a:xfrm>
-          <a:prstGeom prst="rect">
-            <a:avLst/>
-          </a:prstGeom>
-          <a:ln w="38100">
-            <a:headEnd type="none"/>
-            <a:tailEnd type="triangle"/>
-          </a:ln>
-          <a:effectLst/>
-        </p:spPr>
-        <p:style>
-          <a:lnRef idx="2">
-            <a:schemeClr val="accent1"/>
-          </a:lnRef>
-          <a:fillRef idx="0">
-            <a:schemeClr val="accent1"/>
-          </a:fillRef>
-          <a:effectRef idx="1">
-            <a:schemeClr val="accent1"/>
-          </a:effectRef>
-          <a:fontRef idx="minor">
-            <a:schemeClr val="tx1"/>
-          </a:fontRef>
-        </p:style>
-        <p:txBody>
-          <a:bodyPr rtlCol="0" anchor="ctr"/>
-          <a:lstStyle/>
-          <a:p>
-            <a:pPr algn="ctr"/>
-            <a:endParaRPr lang="en-US" dirty="0"/>
-          </a:p>
-        </p:txBody>
-      </p:sp>
-      <p:sp>
-        <p:nvSpPr>
-          <p:cNvPr id="7" name="Rectangle 6"/>
-          <p:cNvSpPr/>
-          <p:nvPr/>
-        </p:nvSpPr>
-        <p:spPr>
-          <a:xfrm>
-            <a:off x="1745593" y="2567438"/>
-            <a:ext cx="568377" cy="1572026"/>
-          </a:xfrm>
-          <a:prstGeom prst="rect">
-            <a:avLst/>
-          </a:prstGeom>
-          <a:ln w="38100">
-            <a:headEnd type="none"/>
-            <a:tailEnd type="triangle"/>
-          </a:ln>
-          <a:effectLst/>
-        </p:spPr>
-        <p:style>
-          <a:lnRef idx="2">
-            <a:schemeClr val="accent1"/>
-          </a:lnRef>
-          <a:fillRef idx="0">
-            <a:schemeClr val="accent1"/>
-          </a:fillRef>
-          <a:effectRef idx="1">
-            <a:schemeClr val="accent1"/>
-          </a:effectRef>
-          <a:fontRef idx="minor">
-            <a:schemeClr val="tx1"/>
-          </a:fontRef>
-        </p:style>
-        <p:txBody>
-          <a:bodyPr rtlCol="0" anchor="ctr"/>
-          <a:lstStyle/>
-          <a:p>
-            <a:pPr algn="ctr"/>
-            <a:endParaRPr lang="en-US" dirty="0"/>
-          </a:p>
-        </p:txBody>
-      </p:sp>
-      <p:sp>
-        <p:nvSpPr>
-          <p:cNvPr id="8" name="Rectangle 7"/>
-          <p:cNvSpPr/>
-          <p:nvPr/>
-        </p:nvSpPr>
-        <p:spPr>
-          <a:xfrm>
-            <a:off x="2313970" y="2567438"/>
-            <a:ext cx="568377" cy="1572026"/>
-          </a:xfrm>
-          <a:prstGeom prst="rect">
-            <a:avLst/>
-          </a:prstGeom>
-          <a:ln w="38100">
-            <a:headEnd type="none"/>
-            <a:tailEnd type="triangle"/>
-          </a:ln>
-          <a:effectLst/>
-        </p:spPr>
-        <p:style>
-          <a:lnRef idx="2">
-            <a:schemeClr val="accent1"/>
-          </a:lnRef>
-          <a:fillRef idx="0">
-            <a:schemeClr val="accent1"/>
-          </a:fillRef>
-          <a:effectRef idx="1">
-            <a:schemeClr val="accent1"/>
-          </a:effectRef>
-          <a:fontRef idx="minor">
-            <a:schemeClr val="tx1"/>
-          </a:fontRef>
-        </p:style>
-        <p:txBody>
-          <a:bodyPr rtlCol="0" anchor="ctr"/>
-          <a:lstStyle/>
-          <a:p>
-            <a:pPr algn="ctr"/>
-            <a:endParaRPr lang="en-US" dirty="0"/>
-          </a:p>
-        </p:txBody>
-      </p:sp>
-      <p:sp>
-        <p:nvSpPr>
-          <p:cNvPr id="9" name="Rectangle 8"/>
-          <p:cNvSpPr/>
-          <p:nvPr/>
-        </p:nvSpPr>
-        <p:spPr>
-          <a:xfrm>
-            <a:off x="2885193" y="2567438"/>
-            <a:ext cx="568377" cy="1572026"/>
-          </a:xfrm>
-          <a:prstGeom prst="rect">
-            <a:avLst/>
-          </a:prstGeom>
-          <a:ln w="38100">
-            <a:headEnd type="none"/>
-            <a:tailEnd type="triangle"/>
-          </a:ln>
-          <a:effectLst/>
-        </p:spPr>
-        <p:style>
-          <a:lnRef idx="2">
-            <a:schemeClr val="accent1"/>
-          </a:lnRef>
-          <a:fillRef idx="0">
-            <a:schemeClr val="accent1"/>
-          </a:fillRef>
-          <a:effectRef idx="1">
-            <a:schemeClr val="accent1"/>
-          </a:effectRef>
-          <a:fontRef idx="minor">
-            <a:schemeClr val="tx1"/>
-          </a:fontRef>
-        </p:style>
-        <p:txBody>
-          <a:bodyPr rtlCol="0" anchor="ctr"/>
-          <a:lstStyle/>
-          <a:p>
-            <a:pPr algn="ctr"/>
-            <a:endParaRPr lang="en-US" dirty="0"/>
-          </a:p>
-        </p:txBody>
-      </p:sp>
-      <p:sp>
-        <p:nvSpPr>
-          <p:cNvPr id="10" name="Rectangle 9"/>
-          <p:cNvSpPr/>
-          <p:nvPr/>
-        </p:nvSpPr>
-        <p:spPr>
-          <a:xfrm>
-            <a:off x="3453570" y="2567438"/>
-            <a:ext cx="568377" cy="1572026"/>
-          </a:xfrm>
-          <a:prstGeom prst="rect">
-            <a:avLst/>
-          </a:prstGeom>
-          <a:ln w="38100">
-            <a:headEnd type="none"/>
-            <a:tailEnd type="triangle"/>
-          </a:ln>
-          <a:effectLst/>
-        </p:spPr>
-        <p:style>
-          <a:lnRef idx="2">
-            <a:schemeClr val="accent1"/>
-          </a:lnRef>
-          <a:fillRef idx="0">
-            <a:schemeClr val="accent1"/>
-          </a:fillRef>
-          <a:effectRef idx="1">
-            <a:schemeClr val="accent1"/>
-          </a:effectRef>
-          <a:fontRef idx="minor">
-            <a:schemeClr val="tx1"/>
-          </a:fontRef>
-        </p:style>
-        <p:txBody>
-          <a:bodyPr rtlCol="0" anchor="ctr"/>
-          <a:lstStyle/>
-          <a:p>
-            <a:pPr algn="ctr"/>
-            <a:endParaRPr lang="en-US" dirty="0"/>
-          </a:p>
-        </p:txBody>
-      </p:sp>
-      <p:sp>
-        <p:nvSpPr>
-          <p:cNvPr id="11" name="Rectangle 10"/>
-          <p:cNvSpPr/>
-          <p:nvPr/>
-        </p:nvSpPr>
-        <p:spPr>
-          <a:xfrm>
-            <a:off x="4023371" y="2567438"/>
-            <a:ext cx="568377" cy="1572026"/>
-          </a:xfrm>
-          <a:prstGeom prst="rect">
-            <a:avLst/>
-          </a:prstGeom>
-          <a:ln w="38100">
-            <a:headEnd type="none"/>
-            <a:tailEnd type="triangle"/>
-          </a:ln>
-          <a:effectLst/>
-        </p:spPr>
-        <p:style>
-          <a:lnRef idx="2">
-            <a:schemeClr val="accent1"/>
-          </a:lnRef>
-          <a:fillRef idx="0">
-            <a:schemeClr val="accent1"/>
-          </a:fillRef>
-          <a:effectRef idx="1">
-            <a:schemeClr val="accent1"/>
-          </a:effectRef>
-          <a:fontRef idx="minor">
-            <a:schemeClr val="tx1"/>
-          </a:fontRef>
-        </p:style>
-        <p:txBody>
-          <a:bodyPr rtlCol="0" anchor="ctr"/>
-          <a:lstStyle/>
-          <a:p>
-            <a:pPr algn="ctr"/>
-            <a:endParaRPr lang="en-US" dirty="0"/>
-          </a:p>
-        </p:txBody>
-      </p:sp>
-      <p:sp>
-        <p:nvSpPr>
-          <p:cNvPr id="12" name="Rectangle 11"/>
-          <p:cNvSpPr/>
-          <p:nvPr/>
-        </p:nvSpPr>
-        <p:spPr>
-          <a:xfrm>
-            <a:off x="4591748" y="2567438"/>
-            <a:ext cx="568377" cy="1572026"/>
-          </a:xfrm>
-          <a:prstGeom prst="rect">
-            <a:avLst/>
-          </a:prstGeom>
-          <a:ln w="38100">
-            <a:headEnd type="none"/>
-            <a:tailEnd type="triangle"/>
-          </a:ln>
-          <a:effectLst/>
-        </p:spPr>
-        <p:style>
-          <a:lnRef idx="2">
-            <a:schemeClr val="accent1"/>
-          </a:lnRef>
-          <a:fillRef idx="0">
-            <a:schemeClr val="accent1"/>
-          </a:fillRef>
-          <a:effectRef idx="1">
-            <a:schemeClr val="accent1"/>
-          </a:effectRef>
-          <a:fontRef idx="minor">
-            <a:schemeClr val="tx1"/>
-          </a:fontRef>
-        </p:style>
-        <p:txBody>
-          <a:bodyPr rtlCol="0" anchor="ctr"/>
-          <a:lstStyle/>
-          <a:p>
-            <a:pPr algn="ctr"/>
-            <a:endParaRPr lang="en-US" dirty="0"/>
-          </a:p>
-        </p:txBody>
-      </p:sp>
-      <p:cxnSp>
-        <p:nvCxnSpPr>
-          <p:cNvPr id="13" name="Elbow Connector 12"/>
-          <p:cNvCxnSpPr/>
-          <p:nvPr/>
-        </p:nvCxnSpPr>
-        <p:spPr>
-          <a:xfrm rot="10800000">
-            <a:off x="4874003" y="4139464"/>
-            <a:ext cx="713664" cy="426312"/>
-          </a:xfrm>
-          <a:prstGeom prst="bentConnector2">
-            <a:avLst/>
-          </a:prstGeom>
-          <a:ln>
-            <a:tailEnd type="arrow"/>
-          </a:ln>
-          <a:effectLst/>
-        </p:spPr>
-        <p:style>
-          <a:lnRef idx="2">
-            <a:schemeClr val="accent1"/>
-          </a:lnRef>
-          <a:fillRef idx="0">
-            <a:schemeClr val="accent1"/>
-          </a:fillRef>
-          <a:effectRef idx="1">
-            <a:schemeClr val="accent1"/>
-          </a:effectRef>
-          <a:fontRef idx="minor">
-            <a:schemeClr val="tx1"/>
-          </a:fontRef>
-        </p:style>
-      </p:cxnSp>
-      <p:cxnSp>
-        <p:nvCxnSpPr>
-          <p:cNvPr id="14" name="Elbow Connector 13"/>
-          <p:cNvCxnSpPr/>
-          <p:nvPr/>
-        </p:nvCxnSpPr>
-        <p:spPr>
-          <a:xfrm>
-            <a:off x="2312206" y="2158889"/>
-            <a:ext cx="855412" cy="408549"/>
-          </a:xfrm>
-          <a:prstGeom prst="bentConnector2">
-            <a:avLst/>
-          </a:prstGeom>
-          <a:ln>
-            <a:tailEnd type="arrow"/>
-          </a:ln>
-          <a:effectLst/>
-        </p:spPr>
-        <p:style>
-          <a:lnRef idx="2">
-            <a:schemeClr val="accent1"/>
-          </a:lnRef>
-          <a:fillRef idx="0">
-            <a:schemeClr val="accent1"/>
-          </a:fillRef>
-          <a:effectRef idx="1">
-            <a:schemeClr val="accent1"/>
-          </a:effectRef>
-          <a:fontRef idx="minor">
-            <a:schemeClr val="tx1"/>
-          </a:fontRef>
-        </p:style>
-      </p:cxnSp>
-      <p:sp>
-        <p:nvSpPr>
-          <p:cNvPr id="15" name="Oval 14"/>
-          <p:cNvSpPr/>
-          <p:nvPr/>
-        </p:nvSpPr>
-        <p:spPr>
-          <a:xfrm>
-            <a:off x="4234916" y="3224670"/>
-            <a:ext cx="168737" cy="195393"/>
-          </a:xfrm>
-          <a:prstGeom prst="ellipse">
-            <a:avLst/>
-          </a:prstGeom>
-          <a:solidFill>
-            <a:srgbClr val="E16B27"/>
-          </a:solidFill>
-          <a:ln w="38100">
-            <a:noFill/>
-            <a:headEnd type="none"/>
-            <a:tailEnd type="triangle"/>
-          </a:ln>
-          <a:effectLst/>
-        </p:spPr>
-        <p:style>
-          <a:lnRef idx="2">
-            <a:schemeClr val="accent1"/>
-          </a:lnRef>
-          <a:fillRef idx="0">
-            <a:schemeClr val="accent1"/>
-          </a:fillRef>
-          <a:effectRef idx="1">
-            <a:schemeClr val="accent1"/>
-          </a:effectRef>
-          <a:fontRef idx="minor">
-            <a:schemeClr val="tx1"/>
-          </a:fontRef>
-        </p:style>
-        <p:txBody>
-          <a:bodyPr rtlCol="0" anchor="ctr"/>
-          <a:lstStyle/>
-          <a:p>
-            <a:pPr algn="ctr"/>
-            <a:endParaRPr lang="en-US"/>
-          </a:p>
-        </p:txBody>
-      </p:sp>
-      <p:sp>
-        <p:nvSpPr>
-          <p:cNvPr id="16" name="Oval 15"/>
-          <p:cNvSpPr/>
-          <p:nvPr/>
-        </p:nvSpPr>
-        <p:spPr>
-          <a:xfrm>
-            <a:off x="3650201" y="3224670"/>
-            <a:ext cx="168737" cy="195393"/>
-          </a:xfrm>
-          <a:prstGeom prst="ellipse">
-            <a:avLst/>
-          </a:prstGeom>
-          <a:solidFill>
-            <a:srgbClr val="E16B27"/>
-          </a:solidFill>
-          <a:ln w="38100">
-            <a:noFill/>
-            <a:headEnd type="none"/>
-            <a:tailEnd type="triangle"/>
-          </a:ln>
-          <a:effectLst/>
-        </p:spPr>
-        <p:style>
-          <a:lnRef idx="2">
-            <a:schemeClr val="accent1"/>
-          </a:lnRef>
-          <a:fillRef idx="0">
-            <a:schemeClr val="accent1"/>
-          </a:fillRef>
-          <a:effectRef idx="1">
-            <a:schemeClr val="accent1"/>
-          </a:effectRef>
-          <a:fontRef idx="minor">
-            <a:schemeClr val="tx1"/>
-          </a:fontRef>
-        </p:style>
-        <p:txBody>
-          <a:bodyPr rtlCol="0" anchor="ctr"/>
-          <a:lstStyle/>
-          <a:p>
-            <a:pPr algn="ctr"/>
-            <a:endParaRPr lang="en-US"/>
-          </a:p>
-        </p:txBody>
-      </p:sp>
-      <p:sp>
-        <p:nvSpPr>
-          <p:cNvPr id="17" name="Oval 16"/>
-          <p:cNvSpPr/>
-          <p:nvPr/>
-        </p:nvSpPr>
-        <p:spPr>
-          <a:xfrm>
-            <a:off x="3085013" y="3224670"/>
-            <a:ext cx="168737" cy="195393"/>
-          </a:xfrm>
-          <a:prstGeom prst="ellipse">
-            <a:avLst/>
-          </a:prstGeom>
-          <a:solidFill>
-            <a:srgbClr val="E16B27"/>
-          </a:solidFill>
-          <a:ln w="38100">
-            <a:noFill/>
-            <a:headEnd type="none"/>
-            <a:tailEnd type="triangle"/>
-          </a:ln>
-          <a:effectLst/>
-        </p:spPr>
-        <p:style>
-          <a:lnRef idx="2">
-            <a:schemeClr val="accent1"/>
-          </a:lnRef>
-          <a:fillRef idx="0">
-            <a:schemeClr val="accent1"/>
-          </a:fillRef>
-          <a:effectRef idx="1">
-            <a:schemeClr val="accent1"/>
-          </a:effectRef>
-          <a:fontRef idx="minor">
-            <a:schemeClr val="tx1"/>
-          </a:fontRef>
-        </p:style>
-        <p:txBody>
-          <a:bodyPr rtlCol="0" anchor="ctr"/>
-          <a:lstStyle/>
-          <a:p>
-            <a:pPr algn="ctr"/>
-            <a:endParaRPr lang="en-US"/>
-          </a:p>
-        </p:txBody>
-      </p:sp>
-      <p:sp>
-        <p:nvSpPr>
-          <p:cNvPr id="18" name="TextBox 17"/>
-          <p:cNvSpPr txBox="1"/>
-          <p:nvPr/>
-        </p:nvSpPr>
-        <p:spPr>
-          <a:xfrm>
-            <a:off x="5542156" y="4357838"/>
-            <a:ext cx="543547" cy="400110"/>
-          </a:xfrm>
-          <a:prstGeom prst="rect">
-            <a:avLst/>
-          </a:prstGeom>
-          <a:noFill/>
-        </p:spPr>
-        <p:txBody>
-          <a:bodyPr wrap="none" rtlCol="0">
-            <a:spAutoFit/>
-          </a:bodyPr>
-          <a:lstStyle/>
-          <a:p>
-            <a:r>
-              <a:rPr lang="en-US" b="1" dirty="0"/>
-              <a:t>Tail</a:t>
-            </a:r>
-          </a:p>
-        </p:txBody>
-      </p:sp>
-      <p:sp>
-        <p:nvSpPr>
-          <p:cNvPr id="19" name="TextBox 18"/>
-          <p:cNvSpPr txBox="1"/>
-          <p:nvPr/>
-        </p:nvSpPr>
-        <p:spPr>
-          <a:xfrm>
-            <a:off x="1618596" y="1976549"/>
-            <a:ext cx="740908" cy="400110"/>
-          </a:xfrm>
-          <a:prstGeom prst="rect">
-            <a:avLst/>
-          </a:prstGeom>
-          <a:noFill/>
-        </p:spPr>
-        <p:txBody>
-          <a:bodyPr wrap="none" rtlCol="0">
-            <a:spAutoFit/>
-          </a:bodyPr>
-          <a:lstStyle/>
-          <a:p>
-            <a:r>
-              <a:rPr lang="en-US" b="1" dirty="0"/>
-              <a:t>Head</a:t>
-            </a:r>
-          </a:p>
-        </p:txBody>
-      </p:sp>
-      <p:cxnSp>
-        <p:nvCxnSpPr>
-          <p:cNvPr id="20" name="Straight Arrow Connector 19"/>
-          <p:cNvCxnSpPr/>
-          <p:nvPr/>
-        </p:nvCxnSpPr>
-        <p:spPr>
-          <a:xfrm>
-            <a:off x="607415" y="5089785"/>
-            <a:ext cx="4552710" cy="8881"/>
-          </a:xfrm>
-          <a:prstGeom prst="straightConnector1">
-            <a:avLst/>
-          </a:prstGeom>
-          <a:ln>
-            <a:headEnd type="arrow"/>
-            <a:tailEnd type="arrow"/>
-          </a:ln>
-          <a:effectLst/>
-        </p:spPr>
-        <p:style>
-          <a:lnRef idx="2">
-            <a:schemeClr val="accent1"/>
-          </a:lnRef>
-          <a:fillRef idx="0">
-            <a:schemeClr val="accent1"/>
-          </a:fillRef>
-          <a:effectRef idx="1">
-            <a:schemeClr val="accent1"/>
-          </a:effectRef>
-          <a:fontRef idx="minor">
-            <a:schemeClr val="tx1"/>
-          </a:fontRef>
-        </p:style>
-      </p:cxnSp>
-      <p:sp>
-        <p:nvSpPr>
-          <p:cNvPr id="21" name="TextBox 20"/>
-          <p:cNvSpPr txBox="1"/>
-          <p:nvPr/>
-        </p:nvSpPr>
-        <p:spPr>
-          <a:xfrm>
-            <a:off x="2348186" y="5118900"/>
-            <a:ext cx="1317027" cy="400110"/>
-          </a:xfrm>
-          <a:prstGeom prst="rect">
-            <a:avLst/>
-          </a:prstGeom>
-          <a:noFill/>
-        </p:spPr>
-        <p:txBody>
-          <a:bodyPr wrap="none" rtlCol="0">
-            <a:spAutoFit/>
-          </a:bodyPr>
-          <a:lstStyle/>
-          <a:p>
-            <a:r>
-              <a:rPr lang="en-US" b="1" dirty="0"/>
-              <a:t>Buffer Size</a:t>
-            </a:r>
-          </a:p>
-        </p:txBody>
-      </p:sp>
-      <p:sp>
-        <p:nvSpPr>
-          <p:cNvPr id="22" name="TextBox 21"/>
-          <p:cNvSpPr txBox="1"/>
-          <p:nvPr/>
-        </p:nvSpPr>
-        <p:spPr>
-          <a:xfrm>
-            <a:off x="9647865" y="6614044"/>
-            <a:ext cx="314510" cy="400110"/>
-          </a:xfrm>
-          <a:prstGeom prst="rect">
-            <a:avLst/>
-          </a:prstGeom>
-          <a:noFill/>
-        </p:spPr>
-        <p:txBody>
-          <a:bodyPr wrap="none" rtlCol="0">
-            <a:spAutoFit/>
-          </a:bodyPr>
-          <a:lstStyle/>
-          <a:p>
-            <a:r>
-              <a:rPr lang="en-US" dirty="0"/>
-              <a:t>5</a:t>
-            </a:r>
-          </a:p>
-        </p:txBody>
-      </p:sp>
+      </p:pic>
     </p:spTree>
     <p:extLst>
       <p:ext uri="{BB962C8B-B14F-4D97-AF65-F5344CB8AC3E}">
-        <p14:creationId xmlns:p14="http://schemas.microsoft.com/office/powerpoint/2010/main" val="826242194"/>
+        <p14:creationId xmlns:p14="http://schemas.microsoft.com/office/powerpoint/2010/main" val="452122912"/>
       </p:ext>
     </p:extLst>
   </p:cSld>
@@ -5768,6 +6922,204 @@
 </file>
 
 <file path=ppt/slides/slide6.xml><?xml version="1.0" encoding="utf-8"?>
+<p:sld xmlns:a="http://schemas.openxmlformats.org/drawingml/2006/main" xmlns:r="http://schemas.openxmlformats.org/officeDocument/2006/relationships" xmlns:p="http://schemas.openxmlformats.org/presentationml/2006/main">
+  <p:cSld>
+    <p:spTree>
+      <p:nvGrpSpPr>
+        <p:cNvPr id="1" name=""/>
+        <p:cNvGrpSpPr/>
+        <p:nvPr/>
+      </p:nvGrpSpPr>
+      <p:grpSpPr>
+        <a:xfrm>
+          <a:off x="0" y="0"/>
+          <a:ext cx="0" cy="0"/>
+          <a:chOff x="0" y="0"/>
+          <a:chExt cx="0" cy="0"/>
+        </a:xfrm>
+      </p:grpSpPr>
+      <p:sp>
+        <p:nvSpPr>
+          <p:cNvPr id="2" name="Text Placeholder 1">
+            <a:extLst>
+              <a:ext uri="{FF2B5EF4-FFF2-40B4-BE49-F238E27FC236}">
+                <a16:creationId xmlns:a16="http://schemas.microsoft.com/office/drawing/2014/main" id="{6C5C0B0A-358C-47EB-9E75-F0D97D436A30}"/>
+              </a:ext>
+            </a:extLst>
+          </p:cNvPr>
+          <p:cNvSpPr>
+            <a:spLocks noGrp="1"/>
+          </p:cNvSpPr>
+          <p:nvPr>
+            <p:ph type="body" sz="quarter" idx="10"/>
+          </p:nvPr>
+        </p:nvSpPr>
+        <p:spPr>
+          <a:xfrm>
+            <a:off x="406400" y="369743"/>
+            <a:ext cx="9245600" cy="742950"/>
+          </a:xfrm>
+        </p:spPr>
+        <p:txBody>
+          <a:bodyPr/>
+          <a:lstStyle/>
+          <a:p>
+            <a:r>
+              <a:rPr lang="en-US" dirty="0"/>
+              <a:t>Buffered output</a:t>
+            </a:r>
+          </a:p>
+        </p:txBody>
+      </p:sp>
+      <p:pic>
+        <p:nvPicPr>
+          <p:cNvPr id="4" name="Picture 3">
+            <a:extLst>
+              <a:ext uri="{FF2B5EF4-FFF2-40B4-BE49-F238E27FC236}">
+                <a16:creationId xmlns:a16="http://schemas.microsoft.com/office/drawing/2014/main" id="{9CFE2EC2-D7EE-4672-AAC1-0F209A106AF3}"/>
+              </a:ext>
+            </a:extLst>
+          </p:cNvPr>
+          <p:cNvPicPr>
+            <a:picLocks noChangeAspect="1"/>
+          </p:cNvPicPr>
+          <p:nvPr/>
+        </p:nvPicPr>
+        <p:blipFill>
+          <a:blip r:embed="rId2"/>
+          <a:stretch>
+            <a:fillRect/>
+          </a:stretch>
+        </p:blipFill>
+        <p:spPr>
+          <a:xfrm>
+            <a:off x="406400" y="1112693"/>
+            <a:ext cx="4438650" cy="3429000"/>
+          </a:xfrm>
+          <a:prstGeom prst="rect">
+            <a:avLst/>
+          </a:prstGeom>
+        </p:spPr>
+      </p:pic>
+      <p:pic>
+        <p:nvPicPr>
+          <p:cNvPr id="5" name="Picture 4">
+            <a:extLst>
+              <a:ext uri="{FF2B5EF4-FFF2-40B4-BE49-F238E27FC236}">
+                <a16:creationId xmlns:a16="http://schemas.microsoft.com/office/drawing/2014/main" id="{8A5214F1-DB18-4B5D-A49A-521610F5EDF4}"/>
+              </a:ext>
+            </a:extLst>
+          </p:cNvPr>
+          <p:cNvPicPr>
+            <a:picLocks noChangeAspect="1"/>
+          </p:cNvPicPr>
+          <p:nvPr/>
+        </p:nvPicPr>
+        <p:blipFill>
+          <a:blip r:embed="rId3"/>
+          <a:stretch>
+            <a:fillRect/>
+          </a:stretch>
+        </p:blipFill>
+        <p:spPr>
+          <a:xfrm>
+            <a:off x="5458113" y="2744932"/>
+            <a:ext cx="4000500" cy="3390900"/>
+          </a:xfrm>
+          <a:prstGeom prst="rect">
+            <a:avLst/>
+          </a:prstGeom>
+        </p:spPr>
+      </p:pic>
+    </p:spTree>
+    <p:extLst>
+      <p:ext uri="{BB962C8B-B14F-4D97-AF65-F5344CB8AC3E}">
+        <p14:creationId xmlns:p14="http://schemas.microsoft.com/office/powerpoint/2010/main" val="2964057416"/>
+      </p:ext>
+    </p:extLst>
+  </p:cSld>
+  <p:clrMapOvr>
+    <a:masterClrMapping/>
+  </p:clrMapOvr>
+  <p:timing>
+    <p:tnLst>
+      <p:par>
+        <p:cTn id="1" dur="indefinite" restart="never" nodeType="tmRoot">
+          <p:childTnLst>
+            <p:seq concurrent="1" nextAc="seek">
+              <p:cTn id="2" dur="indefinite" nodeType="mainSeq">
+                <p:childTnLst>
+                  <p:par>
+                    <p:cTn id="3" fill="hold">
+                      <p:stCondLst>
+                        <p:cond delay="indefinite"/>
+                      </p:stCondLst>
+                      <p:childTnLst>
+                        <p:par>
+                          <p:cTn id="4" fill="hold">
+                            <p:stCondLst>
+                              <p:cond delay="0"/>
+                            </p:stCondLst>
+                            <p:childTnLst>
+                              <p:par>
+                                <p:cTn id="5" presetID="1" presetClass="entr" presetSubtype="0" fill="hold" nodeType="clickEffect">
+                                  <p:stCondLst>
+                                    <p:cond delay="0"/>
+                                  </p:stCondLst>
+                                  <p:childTnLst>
+                                    <p:set>
+                                      <p:cBhvr>
+                                        <p:cTn id="6" dur="1" fill="hold">
+                                          <p:stCondLst>
+                                            <p:cond delay="0"/>
+                                          </p:stCondLst>
+                                        </p:cTn>
+                                        <p:tgtEl>
+                                          <p:spTgt spid="5"/>
+                                        </p:tgtEl>
+                                        <p:attrNameLst>
+                                          <p:attrName>style.visibility</p:attrName>
+                                        </p:attrNameLst>
+                                      </p:cBhvr>
+                                      <p:to>
+                                        <p:strVal val="visible"/>
+                                      </p:to>
+                                    </p:set>
+                                  </p:childTnLst>
+                                </p:cTn>
+                              </p:par>
+                            </p:childTnLst>
+                          </p:cTn>
+                        </p:par>
+                      </p:childTnLst>
+                    </p:cTn>
+                  </p:par>
+                </p:childTnLst>
+              </p:cTn>
+              <p:prevCondLst>
+                <p:cond evt="onPrev" delay="0">
+                  <p:tgtEl>
+                    <p:sldTgt/>
+                  </p:tgtEl>
+                </p:cond>
+              </p:prevCondLst>
+              <p:nextCondLst>
+                <p:cond evt="onNext" delay="0">
+                  <p:tgtEl>
+                    <p:sldTgt/>
+                  </p:tgtEl>
+                </p:cond>
+              </p:nextCondLst>
+            </p:seq>
+          </p:childTnLst>
+        </p:cTn>
+      </p:par>
+    </p:tnLst>
+  </p:timing>
+</p:sld>
+</file>
+
+<file path=ppt/slides/slide7.xml><?xml version="1.0" encoding="utf-8"?>
 <p:sld xmlns:a="http://schemas.openxmlformats.org/drawingml/2006/main" xmlns:r="http://schemas.openxmlformats.org/officeDocument/2006/relationships" xmlns:p="http://schemas.openxmlformats.org/presentationml/2006/main">
   <p:cSld>
     <p:spTree>
@@ -5827,7 +7179,7 @@
 </p:sld>
 </file>
 
-<file path=ppt/slides/slide7.xml><?xml version="1.0" encoding="utf-8"?>
+<file path=ppt/slides/slide8.xml><?xml version="1.0" encoding="utf-8"?>
 <p:sld xmlns:a="http://schemas.openxmlformats.org/drawingml/2006/main" xmlns:r="http://schemas.openxmlformats.org/officeDocument/2006/relationships" xmlns:p="http://schemas.openxmlformats.org/presentationml/2006/main">
   <p:cSld>
     <p:spTree>
@@ -5887,7 +7239,7 @@
 </p:sld>
 </file>
 
-<file path=ppt/slides/slide8.xml><?xml version="1.0" encoding="utf-8"?>
+<file path=ppt/slides/slide9.xml><?xml version="1.0" encoding="utf-8"?>
 <p:sld xmlns:a="http://schemas.openxmlformats.org/drawingml/2006/main" xmlns:r="http://schemas.openxmlformats.org/officeDocument/2006/relationships" xmlns:p="http://schemas.openxmlformats.org/presentationml/2006/main">
   <p:cSld>
     <p:spTree>
@@ -5933,1517 +7285,10 @@
           </a:prstGeom>
         </p:spPr>
       </p:pic>
-      <p:pic>
-        <p:nvPicPr>
-          <p:cNvPr id="5" name="Picture 4">
-            <a:extLst>
-              <a:ext uri="{FF2B5EF4-FFF2-40B4-BE49-F238E27FC236}">
-                <a16:creationId xmlns:a16="http://schemas.microsoft.com/office/drawing/2014/main" id="{C6EFC1BE-D70C-4F9B-A63A-5EA4A86D0808}"/>
-              </a:ext>
-            </a:extLst>
-          </p:cNvPr>
-          <p:cNvPicPr>
-            <a:picLocks noChangeAspect="1"/>
-          </p:cNvPicPr>
-          <p:nvPr/>
-        </p:nvPicPr>
-        <p:blipFill>
-          <a:blip r:embed="rId3"/>
-          <a:stretch>
-            <a:fillRect/>
-          </a:stretch>
-        </p:blipFill>
-        <p:spPr>
-          <a:xfrm>
-            <a:off x="614218" y="3886200"/>
-            <a:ext cx="8829964" cy="3389360"/>
-          </a:xfrm>
-          <a:prstGeom prst="rect">
-            <a:avLst/>
-          </a:prstGeom>
-        </p:spPr>
-      </p:pic>
     </p:spTree>
     <p:extLst>
       <p:ext uri="{BB962C8B-B14F-4D97-AF65-F5344CB8AC3E}">
         <p14:creationId xmlns:p14="http://schemas.microsoft.com/office/powerpoint/2010/main" val="3630720227"/>
-      </p:ext>
-    </p:extLst>
-  </p:cSld>
-  <p:clrMapOvr>
-    <a:masterClrMapping/>
-  </p:clrMapOvr>
-</p:sld>
-</file>
-
-<file path=ppt/slides/slide9.xml><?xml version="1.0" encoding="utf-8"?>
-<p:sld xmlns:a="http://schemas.openxmlformats.org/drawingml/2006/main" xmlns:r="http://schemas.openxmlformats.org/officeDocument/2006/relationships" xmlns:p="http://schemas.openxmlformats.org/presentationml/2006/main">
-  <p:cSld>
-    <p:spTree>
-      <p:nvGrpSpPr>
-        <p:cNvPr id="1" name=""/>
-        <p:cNvGrpSpPr/>
-        <p:nvPr/>
-      </p:nvGrpSpPr>
-      <p:grpSpPr>
-        <a:xfrm>
-          <a:off x="0" y="0"/>
-          <a:ext cx="0" cy="0"/>
-          <a:chOff x="0" y="0"/>
-          <a:chExt cx="0" cy="0"/>
-        </a:xfrm>
-      </p:grpSpPr>
-      <p:sp>
-        <p:nvSpPr>
-          <p:cNvPr id="3" name="Text Placeholder 2"/>
-          <p:cNvSpPr>
-            <a:spLocks noGrp="1"/>
-          </p:cNvSpPr>
-          <p:nvPr>
-            <p:ph type="body" sz="quarter" idx="12"/>
-          </p:nvPr>
-        </p:nvSpPr>
-        <p:spPr>
-          <a:xfrm>
-            <a:off x="99916" y="295736"/>
-            <a:ext cx="10258928" cy="6727371"/>
-          </a:xfrm>
-        </p:spPr>
-        <p:txBody>
-          <a:bodyPr/>
-          <a:lstStyle/>
-          <a:p>
-            <a:pPr marL="0" indent="0">
-              <a:spcBef>
-                <a:spcPts val="0"/>
-              </a:spcBef>
-              <a:buNone/>
-            </a:pPr>
-            <a:r>
-              <a:rPr lang="en-US" sz="1800" b="1" dirty="0">
-                <a:solidFill>
-                  <a:schemeClr val="tx1"/>
-                </a:solidFill>
-                <a:latin typeface="Courier" charset="0"/>
-                <a:ea typeface="Courier" charset="0"/>
-                <a:cs typeface="Courier" charset="0"/>
-              </a:rPr>
-              <a:t>/* File I/O Example */</a:t>
-            </a:r>
-          </a:p>
-          <a:p>
-            <a:pPr marL="0" indent="0">
-              <a:spcBef>
-                <a:spcPts val="0"/>
-              </a:spcBef>
-              <a:buNone/>
-            </a:pPr>
-            <a:r>
-              <a:rPr lang="en-US" sz="1800" b="1" dirty="0">
-                <a:solidFill>
-                  <a:schemeClr val="tx1"/>
-                </a:solidFill>
-                <a:latin typeface="Courier" charset="0"/>
-                <a:ea typeface="Courier" charset="0"/>
-                <a:cs typeface="Courier" charset="0"/>
-              </a:rPr>
-              <a:t>#include &lt;</a:t>
-            </a:r>
-            <a:r>
-              <a:rPr lang="en-US" sz="1800" b="1" dirty="0" err="1">
-                <a:solidFill>
-                  <a:schemeClr val="tx1"/>
-                </a:solidFill>
-                <a:latin typeface="Courier" charset="0"/>
-                <a:ea typeface="Courier" charset="0"/>
-                <a:cs typeface="Courier" charset="0"/>
-              </a:rPr>
-              <a:t>stdio.h</a:t>
-            </a:r>
-            <a:r>
-              <a:rPr lang="en-US" sz="1800" b="1" dirty="0">
-                <a:solidFill>
-                  <a:schemeClr val="tx1"/>
-                </a:solidFill>
-                <a:latin typeface="Courier" charset="0"/>
-                <a:ea typeface="Courier" charset="0"/>
-                <a:cs typeface="Courier" charset="0"/>
-              </a:rPr>
-              <a:t>&gt;</a:t>
-            </a:r>
-          </a:p>
-          <a:p>
-            <a:pPr marL="0" indent="0">
-              <a:spcBef>
-                <a:spcPts val="0"/>
-              </a:spcBef>
-              <a:buNone/>
-            </a:pPr>
-            <a:r>
-              <a:rPr lang="en-US" sz="1800" b="1" dirty="0" err="1">
-                <a:solidFill>
-                  <a:schemeClr val="tx1"/>
-                </a:solidFill>
-                <a:latin typeface="Courier" charset="0"/>
-                <a:ea typeface="Courier" charset="0"/>
-                <a:cs typeface="Courier" charset="0"/>
-              </a:rPr>
-              <a:t>int</a:t>
-            </a:r>
-            <a:r>
-              <a:rPr lang="en-US" sz="1800" b="1" dirty="0">
-                <a:solidFill>
-                  <a:schemeClr val="tx1"/>
-                </a:solidFill>
-                <a:latin typeface="Courier" charset="0"/>
-                <a:ea typeface="Courier" charset="0"/>
-                <a:cs typeface="Courier" charset="0"/>
-              </a:rPr>
-              <a:t> main(){</a:t>
-            </a:r>
-          </a:p>
-          <a:p>
-            <a:pPr marL="0" indent="0">
-              <a:spcBef>
-                <a:spcPts val="0"/>
-              </a:spcBef>
-              <a:buNone/>
-            </a:pPr>
-            <a:r>
-              <a:rPr lang="de-DE" sz="1800" b="1" dirty="0">
-                <a:solidFill>
-                  <a:schemeClr val="tx1"/>
-                </a:solidFill>
-                <a:latin typeface="Courier" charset="0"/>
-                <a:ea typeface="Courier" charset="0"/>
-                <a:cs typeface="Courier" charset="0"/>
-              </a:rPr>
-              <a:t>	FILE *</a:t>
-            </a:r>
-            <a:r>
-              <a:rPr lang="de-DE" sz="1800" b="1" dirty="0" err="1">
-                <a:solidFill>
-                  <a:schemeClr val="tx1"/>
-                </a:solidFill>
-                <a:latin typeface="Courier" charset="0"/>
-                <a:ea typeface="Courier" charset="0"/>
-                <a:cs typeface="Courier" charset="0"/>
-              </a:rPr>
-              <a:t>file</a:t>
-            </a:r>
-            <a:r>
-              <a:rPr lang="de-DE" sz="1800" b="1" dirty="0">
-                <a:solidFill>
-                  <a:schemeClr val="tx1"/>
-                </a:solidFill>
-                <a:latin typeface="Courier" charset="0"/>
-                <a:ea typeface="Courier" charset="0"/>
-                <a:cs typeface="Courier" charset="0"/>
-              </a:rPr>
-              <a:t>;</a:t>
-            </a:r>
-          </a:p>
-          <a:p>
-            <a:pPr marL="0" indent="0">
-              <a:spcBef>
-                <a:spcPts val="0"/>
-              </a:spcBef>
-              <a:buNone/>
-            </a:pPr>
-            <a:r>
-              <a:rPr lang="ro-RO" sz="1800" b="1" dirty="0">
-                <a:solidFill>
-                  <a:schemeClr val="tx1"/>
-                </a:solidFill>
-                <a:latin typeface="Courier" charset="0"/>
-                <a:ea typeface="Courier" charset="0"/>
-                <a:cs typeface="Courier" charset="0"/>
-              </a:rPr>
-              <a:t>	</a:t>
-            </a:r>
-            <a:r>
-              <a:rPr lang="ro-RO" sz="1800" b="1" dirty="0" err="1">
-                <a:solidFill>
-                  <a:schemeClr val="tx1"/>
-                </a:solidFill>
-                <a:latin typeface="Courier" charset="0"/>
-                <a:ea typeface="Courier" charset="0"/>
-                <a:cs typeface="Courier" charset="0"/>
-              </a:rPr>
-              <a:t>char</a:t>
-            </a:r>
-            <a:r>
-              <a:rPr lang="ro-RO" sz="1800" b="1" dirty="0">
-                <a:solidFill>
-                  <a:schemeClr val="tx1"/>
-                </a:solidFill>
-                <a:latin typeface="Courier" charset="0"/>
-                <a:ea typeface="Courier" charset="0"/>
-                <a:cs typeface="Courier" charset="0"/>
-              </a:rPr>
-              <a:t> buffer[100];</a:t>
-            </a:r>
-          </a:p>
-          <a:p>
-            <a:pPr marL="0" indent="0">
-              <a:spcBef>
-                <a:spcPts val="0"/>
-              </a:spcBef>
-              <a:buNone/>
-            </a:pPr>
-            <a:endParaRPr lang="ro-RO" sz="1800" b="1" dirty="0">
-              <a:solidFill>
-                <a:schemeClr val="tx1"/>
-              </a:solidFill>
-              <a:latin typeface="Courier" charset="0"/>
-              <a:ea typeface="Courier" charset="0"/>
-              <a:cs typeface="Courier" charset="0"/>
-            </a:endParaRPr>
-          </a:p>
-          <a:p>
-            <a:pPr marL="0" indent="0">
-              <a:spcBef>
-                <a:spcPts val="0"/>
-              </a:spcBef>
-              <a:buNone/>
-            </a:pPr>
-            <a:r>
-              <a:rPr lang="ro-RO" sz="1800" b="1" dirty="0">
-                <a:solidFill>
-                  <a:schemeClr val="tx1"/>
-                </a:solidFill>
-                <a:latin typeface="Courier" charset="0"/>
-                <a:ea typeface="Courier" charset="0"/>
-                <a:cs typeface="Courier" charset="0"/>
-              </a:rPr>
-              <a:t>	//</a:t>
-            </a:r>
-            <a:r>
-              <a:rPr lang="ro-RO" sz="1800" b="1" dirty="0">
-                <a:solidFill>
-                  <a:schemeClr val="bg1"/>
-                </a:solidFill>
-                <a:latin typeface="Courier" charset="0"/>
-                <a:ea typeface="Courier" charset="0"/>
-                <a:cs typeface="Courier" charset="0"/>
-              </a:rPr>
-              <a:t>open a file </a:t>
-            </a:r>
-            <a:r>
-              <a:rPr lang="ro-RO" sz="1800" b="1" dirty="0" err="1">
-                <a:solidFill>
-                  <a:schemeClr val="bg1"/>
-                </a:solidFill>
-                <a:latin typeface="Courier" charset="0"/>
-                <a:ea typeface="Courier" charset="0"/>
-                <a:cs typeface="Courier" charset="0"/>
-              </a:rPr>
-              <a:t>to</a:t>
-            </a:r>
-            <a:r>
-              <a:rPr lang="ro-RO" sz="1800" b="1" dirty="0">
-                <a:solidFill>
-                  <a:schemeClr val="bg1"/>
-                </a:solidFill>
-                <a:latin typeface="Courier" charset="0"/>
-                <a:ea typeface="Courier" charset="0"/>
-                <a:cs typeface="Courier" charset="0"/>
-              </a:rPr>
-              <a:t> </a:t>
-            </a:r>
-            <a:r>
-              <a:rPr lang="ro-RO" sz="1800" b="1" dirty="0" err="1">
-                <a:solidFill>
-                  <a:schemeClr val="bg1"/>
-                </a:solidFill>
-                <a:latin typeface="Courier" charset="0"/>
-                <a:ea typeface="Courier" charset="0"/>
-                <a:cs typeface="Courier" charset="0"/>
-              </a:rPr>
-              <a:t>write</a:t>
-            </a:r>
-            <a:r>
-              <a:rPr lang="ro-RO" sz="1800" b="1" dirty="0">
-                <a:solidFill>
-                  <a:schemeClr val="bg1"/>
-                </a:solidFill>
-                <a:latin typeface="Courier" charset="0"/>
-                <a:ea typeface="Courier" charset="0"/>
-                <a:cs typeface="Courier" charset="0"/>
-              </a:rPr>
-              <a:t> </a:t>
-            </a:r>
-            <a:r>
-              <a:rPr lang="ro-RO" sz="1800" b="1" dirty="0" err="1">
-                <a:solidFill>
-                  <a:schemeClr val="bg1"/>
-                </a:solidFill>
-                <a:latin typeface="Courier" charset="0"/>
-                <a:ea typeface="Courier" charset="0"/>
-                <a:cs typeface="Courier" charset="0"/>
-              </a:rPr>
-              <a:t>to</a:t>
-            </a:r>
-            <a:endParaRPr lang="ro-RO" sz="1800" b="1" dirty="0">
-              <a:solidFill>
-                <a:schemeClr val="bg1"/>
-              </a:solidFill>
-              <a:latin typeface="Courier" charset="0"/>
-              <a:ea typeface="Courier" charset="0"/>
-              <a:cs typeface="Courier" charset="0"/>
-            </a:endParaRPr>
-          </a:p>
-          <a:p>
-            <a:pPr marL="0" indent="0">
-              <a:spcBef>
-                <a:spcPts val="0"/>
-              </a:spcBef>
-              <a:buNone/>
-            </a:pPr>
-            <a:r>
-              <a:rPr lang="ro-RO" sz="1800" b="1" dirty="0">
-                <a:solidFill>
-                  <a:schemeClr val="bg1"/>
-                </a:solidFill>
-                <a:latin typeface="Courier" charset="0"/>
-                <a:ea typeface="Courier" charset="0"/>
-                <a:cs typeface="Courier" charset="0"/>
-              </a:rPr>
-              <a:t>	</a:t>
-            </a:r>
-            <a:r>
-              <a:rPr lang="pl-PL" sz="1800" b="1" dirty="0">
-                <a:solidFill>
-                  <a:schemeClr val="tx1"/>
-                </a:solidFill>
-                <a:latin typeface="Courier" charset="0"/>
-                <a:ea typeface="Courier" charset="0"/>
-                <a:cs typeface="Courier" charset="0"/>
-              </a:rPr>
-              <a:t>file = </a:t>
-            </a:r>
-            <a:r>
-              <a:rPr lang="pl-PL" sz="1800" b="1" dirty="0" err="1">
-                <a:solidFill>
-                  <a:schemeClr val="tx1"/>
-                </a:solidFill>
-                <a:latin typeface="Courier" charset="0"/>
-                <a:ea typeface="Courier" charset="0"/>
-                <a:cs typeface="Courier" charset="0"/>
-              </a:rPr>
-              <a:t>fopen</a:t>
-            </a:r>
-            <a:r>
-              <a:rPr lang="pl-PL" sz="1800" b="1" dirty="0">
-                <a:solidFill>
-                  <a:schemeClr val="tx1"/>
-                </a:solidFill>
-                <a:latin typeface="Courier" charset="0"/>
-                <a:ea typeface="Courier" charset="0"/>
-                <a:cs typeface="Courier" charset="0"/>
-              </a:rPr>
-              <a:t>("</a:t>
-            </a:r>
-            <a:r>
-              <a:rPr lang="pl-PL" sz="1800" b="1" dirty="0" err="1">
-                <a:solidFill>
-                  <a:schemeClr val="tx1"/>
-                </a:solidFill>
-                <a:latin typeface="Courier" charset="0"/>
-                <a:ea typeface="Courier" charset="0"/>
-                <a:cs typeface="Courier" charset="0"/>
-              </a:rPr>
-              <a:t>intro.txt</a:t>
-            </a:r>
-            <a:r>
-              <a:rPr lang="pl-PL" sz="1800" b="1" dirty="0">
-                <a:solidFill>
-                  <a:schemeClr val="tx1"/>
-                </a:solidFill>
-                <a:latin typeface="Courier" charset="0"/>
-                <a:ea typeface="Courier" charset="0"/>
-                <a:cs typeface="Courier" charset="0"/>
-              </a:rPr>
-              <a:t>", "w");</a:t>
-            </a:r>
-          </a:p>
-          <a:p>
-            <a:pPr marL="0" indent="0">
-              <a:spcBef>
-                <a:spcPts val="0"/>
-              </a:spcBef>
-              <a:buNone/>
-            </a:pPr>
-            <a:endParaRPr lang="pl-PL" sz="1800" b="1" dirty="0">
-              <a:solidFill>
-                <a:schemeClr val="tx1"/>
-              </a:solidFill>
-              <a:latin typeface="Courier" charset="0"/>
-              <a:ea typeface="Courier" charset="0"/>
-              <a:cs typeface="Courier" charset="0"/>
-            </a:endParaRPr>
-          </a:p>
-          <a:p>
-            <a:pPr marL="0" indent="0">
-              <a:spcBef>
-                <a:spcPts val="0"/>
-              </a:spcBef>
-              <a:buNone/>
-            </a:pPr>
-            <a:r>
-              <a:rPr lang="pl-PL" sz="1800" b="1" dirty="0">
-                <a:solidFill>
-                  <a:schemeClr val="tx1"/>
-                </a:solidFill>
-                <a:latin typeface="Courier" charset="0"/>
-                <a:ea typeface="Courier" charset="0"/>
-                <a:cs typeface="Courier" charset="0"/>
-              </a:rPr>
-              <a:t>	//</a:t>
-            </a:r>
-            <a:r>
-              <a:rPr lang="pl-PL" sz="1800" b="1" dirty="0" err="1">
-                <a:solidFill>
-                  <a:schemeClr val="bg1"/>
-                </a:solidFill>
-                <a:latin typeface="Courier" charset="0"/>
-                <a:ea typeface="Courier" charset="0"/>
-                <a:cs typeface="Courier" charset="0"/>
-              </a:rPr>
-              <a:t>use</a:t>
-            </a:r>
-            <a:r>
-              <a:rPr lang="pl-PL" sz="1800" b="1" dirty="0">
-                <a:solidFill>
-                  <a:schemeClr val="bg1"/>
-                </a:solidFill>
-                <a:latin typeface="Courier" charset="0"/>
-                <a:ea typeface="Courier" charset="0"/>
-                <a:cs typeface="Courier" charset="0"/>
-              </a:rPr>
-              <a:t> </a:t>
-            </a:r>
-            <a:r>
-              <a:rPr lang="pl-PL" sz="1800" b="1" dirty="0" err="1">
-                <a:solidFill>
-                  <a:schemeClr val="bg1"/>
-                </a:solidFill>
-                <a:latin typeface="Courier" charset="0"/>
-                <a:ea typeface="Courier" charset="0"/>
-                <a:cs typeface="Courier" charset="0"/>
-              </a:rPr>
-              <a:t>fgets</a:t>
-            </a:r>
-            <a:r>
-              <a:rPr lang="pl-PL" sz="1800" b="1" dirty="0">
-                <a:solidFill>
-                  <a:schemeClr val="bg1"/>
-                </a:solidFill>
-                <a:latin typeface="Courier" charset="0"/>
-                <a:ea typeface="Courier" charset="0"/>
-                <a:cs typeface="Courier" charset="0"/>
-              </a:rPr>
-              <a:t> to </a:t>
-            </a:r>
-            <a:r>
-              <a:rPr lang="pl-PL" sz="1800" b="1" dirty="0" err="1">
-                <a:solidFill>
-                  <a:schemeClr val="bg1"/>
-                </a:solidFill>
-                <a:latin typeface="Courier" charset="0"/>
-                <a:ea typeface="Courier" charset="0"/>
-                <a:cs typeface="Courier" charset="0"/>
-              </a:rPr>
-              <a:t>get</a:t>
-            </a:r>
-            <a:r>
-              <a:rPr lang="pl-PL" sz="1800" b="1" dirty="0">
-                <a:solidFill>
-                  <a:schemeClr val="bg1"/>
-                </a:solidFill>
-                <a:latin typeface="Courier" charset="0"/>
-                <a:ea typeface="Courier" charset="0"/>
-                <a:cs typeface="Courier" charset="0"/>
-              </a:rPr>
-              <a:t> </a:t>
-            </a:r>
-            <a:r>
-              <a:rPr lang="pl-PL" sz="1800" b="1" dirty="0" err="1">
-                <a:solidFill>
-                  <a:schemeClr val="bg1"/>
-                </a:solidFill>
-                <a:latin typeface="Courier" charset="0"/>
-                <a:ea typeface="Courier" charset="0"/>
-                <a:cs typeface="Courier" charset="0"/>
-              </a:rPr>
-              <a:t>input</a:t>
-            </a:r>
-            <a:r>
-              <a:rPr lang="pl-PL" sz="1800" b="1" dirty="0">
-                <a:solidFill>
-                  <a:schemeClr val="bg1"/>
-                </a:solidFill>
-                <a:latin typeface="Courier" charset="0"/>
-                <a:ea typeface="Courier" charset="0"/>
-                <a:cs typeface="Courier" charset="0"/>
-              </a:rPr>
-              <a:t> from </a:t>
-            </a:r>
-            <a:r>
-              <a:rPr lang="pl-PL" sz="1800" b="1" dirty="0" err="1">
-                <a:solidFill>
-                  <a:schemeClr val="bg1"/>
-                </a:solidFill>
-                <a:latin typeface="Courier" charset="0"/>
-                <a:ea typeface="Courier" charset="0"/>
-                <a:cs typeface="Courier" charset="0"/>
-              </a:rPr>
-              <a:t>user</a:t>
-            </a:r>
-            <a:endParaRPr lang="pl-PL" sz="1800" b="1" dirty="0">
-              <a:solidFill>
-                <a:schemeClr val="bg1"/>
-              </a:solidFill>
-              <a:latin typeface="Courier" charset="0"/>
-              <a:ea typeface="Courier" charset="0"/>
-              <a:cs typeface="Courier" charset="0"/>
-            </a:endParaRPr>
-          </a:p>
-          <a:p>
-            <a:pPr marL="0" indent="0">
-              <a:spcBef>
-                <a:spcPts val="0"/>
-              </a:spcBef>
-              <a:buNone/>
-            </a:pPr>
-            <a:r>
-              <a:rPr lang="pl-PL" sz="1800" b="1" dirty="0">
-                <a:solidFill>
-                  <a:schemeClr val="bg1"/>
-                </a:solidFill>
-                <a:latin typeface="Courier" charset="0"/>
-                <a:ea typeface="Courier" charset="0"/>
-                <a:cs typeface="Courier" charset="0"/>
-              </a:rPr>
-              <a:t>	</a:t>
-            </a:r>
-            <a:r>
-              <a:rPr lang="pl-PL" sz="1800" b="1" dirty="0" err="1">
-                <a:solidFill>
-                  <a:schemeClr val="tx1"/>
-                </a:solidFill>
-                <a:latin typeface="Courier" charset="0"/>
-                <a:ea typeface="Courier" charset="0"/>
-                <a:cs typeface="Courier" charset="0"/>
-              </a:rPr>
-              <a:t>printf</a:t>
-            </a:r>
-            <a:r>
-              <a:rPr lang="pl-PL" sz="1800" b="1" dirty="0">
-                <a:solidFill>
-                  <a:schemeClr val="tx1"/>
-                </a:solidFill>
-                <a:latin typeface="Courier" charset="0"/>
-                <a:ea typeface="Courier" charset="0"/>
-                <a:cs typeface="Courier" charset="0"/>
-              </a:rPr>
-              <a:t>("Write a </a:t>
-            </a:r>
-            <a:r>
-              <a:rPr lang="pl-PL" sz="1800" b="1" dirty="0" err="1">
-                <a:solidFill>
-                  <a:schemeClr val="tx1"/>
-                </a:solidFill>
-                <a:latin typeface="Courier" charset="0"/>
-                <a:ea typeface="Courier" charset="0"/>
-                <a:cs typeface="Courier" charset="0"/>
-              </a:rPr>
-              <a:t>self</a:t>
-            </a:r>
-            <a:r>
-              <a:rPr lang="pl-PL" sz="1800" b="1" dirty="0">
-                <a:solidFill>
-                  <a:schemeClr val="tx1"/>
-                </a:solidFill>
-                <a:latin typeface="Courier" charset="0"/>
-                <a:ea typeface="Courier" charset="0"/>
-                <a:cs typeface="Courier" charset="0"/>
-              </a:rPr>
-              <a:t> </a:t>
-            </a:r>
-            <a:r>
-              <a:rPr lang="pl-PL" sz="1800" b="1" dirty="0" err="1">
-                <a:solidFill>
-                  <a:schemeClr val="tx1"/>
-                </a:solidFill>
-                <a:latin typeface="Courier" charset="0"/>
-                <a:ea typeface="Courier" charset="0"/>
-                <a:cs typeface="Courier" charset="0"/>
-              </a:rPr>
-              <a:t>introduction</a:t>
-            </a:r>
-            <a:r>
-              <a:rPr lang="pl-PL" sz="1800" b="1" dirty="0">
-                <a:solidFill>
-                  <a:schemeClr val="tx1"/>
-                </a:solidFill>
-                <a:latin typeface="Courier" charset="0"/>
-                <a:ea typeface="Courier" charset="0"/>
-                <a:cs typeface="Courier" charset="0"/>
-              </a:rPr>
-              <a:t> with less </a:t>
-            </a:r>
-            <a:r>
-              <a:rPr lang="pl-PL" sz="1800" b="1" dirty="0" err="1">
-                <a:solidFill>
-                  <a:schemeClr val="tx1"/>
-                </a:solidFill>
-                <a:latin typeface="Courier" charset="0"/>
-                <a:ea typeface="Courier" charset="0"/>
-                <a:cs typeface="Courier" charset="0"/>
-              </a:rPr>
-              <a:t>than</a:t>
-            </a:r>
-            <a:r>
-              <a:rPr lang="pl-PL" sz="1800" b="1" dirty="0">
-                <a:solidFill>
-                  <a:schemeClr val="tx1"/>
-                </a:solidFill>
-                <a:latin typeface="Courier" charset="0"/>
-                <a:ea typeface="Courier" charset="0"/>
-                <a:cs typeface="Courier" charset="0"/>
-              </a:rPr>
-              <a:t> 100 </a:t>
-            </a:r>
-            <a:r>
-              <a:rPr lang="pl-PL" sz="1800" b="1" dirty="0" err="1">
-                <a:solidFill>
-                  <a:schemeClr val="tx1"/>
-                </a:solidFill>
-                <a:latin typeface="Courier" charset="0"/>
-                <a:ea typeface="Courier" charset="0"/>
-                <a:cs typeface="Courier" charset="0"/>
-              </a:rPr>
-              <a:t>characters</a:t>
-            </a:r>
-            <a:r>
-              <a:rPr lang="pl-PL" sz="1800" b="1" dirty="0">
-                <a:solidFill>
-                  <a:schemeClr val="tx1"/>
-                </a:solidFill>
-                <a:latin typeface="Courier" charset="0"/>
-                <a:ea typeface="Courier" charset="0"/>
-                <a:cs typeface="Courier" charset="0"/>
-              </a:rPr>
-              <a:t>: ");</a:t>
-            </a:r>
-          </a:p>
-          <a:p>
-            <a:pPr marL="0" indent="0">
-              <a:spcBef>
-                <a:spcPts val="0"/>
-              </a:spcBef>
-              <a:buNone/>
-            </a:pPr>
-            <a:r>
-              <a:rPr lang="pl-PL" sz="1800" b="1" dirty="0">
-                <a:solidFill>
-                  <a:schemeClr val="tx1"/>
-                </a:solidFill>
-                <a:latin typeface="Courier" charset="0"/>
-                <a:ea typeface="Courier" charset="0"/>
-                <a:cs typeface="Courier" charset="0"/>
-              </a:rPr>
-              <a:t>	</a:t>
-            </a:r>
-            <a:r>
-              <a:rPr lang="de-DE" sz="1800" b="1" dirty="0" err="1">
-                <a:solidFill>
-                  <a:schemeClr val="tx1"/>
-                </a:solidFill>
-                <a:latin typeface="Courier" charset="0"/>
-                <a:ea typeface="Courier" charset="0"/>
-                <a:cs typeface="Courier" charset="0"/>
-              </a:rPr>
-              <a:t>fgets</a:t>
-            </a:r>
-            <a:r>
-              <a:rPr lang="de-DE" sz="1800" b="1" dirty="0">
-                <a:solidFill>
-                  <a:schemeClr val="tx1"/>
-                </a:solidFill>
-                <a:latin typeface="Courier" charset="0"/>
-                <a:ea typeface="Courier" charset="0"/>
-                <a:cs typeface="Courier" charset="0"/>
-              </a:rPr>
-              <a:t>(</a:t>
-            </a:r>
-            <a:r>
-              <a:rPr lang="de-DE" sz="1800" b="1" dirty="0" err="1">
-                <a:solidFill>
-                  <a:schemeClr val="tx1"/>
-                </a:solidFill>
-                <a:latin typeface="Courier" charset="0"/>
-                <a:ea typeface="Courier" charset="0"/>
-                <a:cs typeface="Courier" charset="0"/>
-              </a:rPr>
-              <a:t>buffer</a:t>
-            </a:r>
-            <a:r>
-              <a:rPr lang="de-DE" sz="1800" b="1" dirty="0">
-                <a:solidFill>
-                  <a:schemeClr val="tx1"/>
-                </a:solidFill>
-                <a:latin typeface="Courier" charset="0"/>
-                <a:ea typeface="Courier" charset="0"/>
-                <a:cs typeface="Courier" charset="0"/>
-              </a:rPr>
-              <a:t>, 100, </a:t>
-            </a:r>
-            <a:r>
-              <a:rPr lang="de-DE" sz="1800" b="1" dirty="0" err="1">
-                <a:solidFill>
-                  <a:schemeClr val="tx1"/>
-                </a:solidFill>
-                <a:latin typeface="Courier" charset="0"/>
-                <a:ea typeface="Courier" charset="0"/>
-                <a:cs typeface="Courier" charset="0"/>
-              </a:rPr>
-              <a:t>stdin</a:t>
-            </a:r>
-            <a:r>
-              <a:rPr lang="de-DE" sz="1800" b="1" dirty="0">
-                <a:solidFill>
-                  <a:schemeClr val="tx1"/>
-                </a:solidFill>
-                <a:latin typeface="Courier" charset="0"/>
-                <a:ea typeface="Courier" charset="0"/>
-                <a:cs typeface="Courier" charset="0"/>
-              </a:rPr>
-              <a:t>);</a:t>
-            </a:r>
-          </a:p>
-          <a:p>
-            <a:pPr marL="0" indent="0">
-              <a:spcBef>
-                <a:spcPts val="0"/>
-              </a:spcBef>
-              <a:buNone/>
-            </a:pPr>
-            <a:endParaRPr lang="de-DE" sz="1800" b="1" dirty="0">
-              <a:solidFill>
-                <a:schemeClr val="tx1"/>
-              </a:solidFill>
-              <a:latin typeface="Courier" charset="0"/>
-              <a:ea typeface="Courier" charset="0"/>
-              <a:cs typeface="Courier" charset="0"/>
-            </a:endParaRPr>
-          </a:p>
-          <a:p>
-            <a:pPr marL="0" indent="0">
-              <a:spcBef>
-                <a:spcPts val="0"/>
-              </a:spcBef>
-              <a:buNone/>
-            </a:pPr>
-            <a:r>
-              <a:rPr lang="de-DE" sz="1800" b="1" dirty="0">
-                <a:solidFill>
-                  <a:schemeClr val="tx1"/>
-                </a:solidFill>
-                <a:latin typeface="Courier" charset="0"/>
-                <a:ea typeface="Courier" charset="0"/>
-                <a:cs typeface="Courier" charset="0"/>
-              </a:rPr>
-              <a:t>	//</a:t>
-            </a:r>
-            <a:r>
-              <a:rPr lang="de-DE" sz="1800" b="1" dirty="0" err="1">
-                <a:solidFill>
-                  <a:schemeClr val="bg1"/>
-                </a:solidFill>
-                <a:latin typeface="Courier" charset="0"/>
-                <a:ea typeface="Courier" charset="0"/>
-                <a:cs typeface="Courier" charset="0"/>
-              </a:rPr>
-              <a:t>use</a:t>
-            </a:r>
-            <a:r>
-              <a:rPr lang="de-DE" sz="1800" b="1" dirty="0">
-                <a:solidFill>
-                  <a:schemeClr val="bg1"/>
-                </a:solidFill>
-                <a:latin typeface="Courier" charset="0"/>
-                <a:ea typeface="Courier" charset="0"/>
-                <a:cs typeface="Courier" charset="0"/>
-              </a:rPr>
-              <a:t> </a:t>
-            </a:r>
-            <a:r>
-              <a:rPr lang="de-DE" sz="1800" b="1" dirty="0" err="1">
-                <a:solidFill>
-                  <a:schemeClr val="bg1"/>
-                </a:solidFill>
-                <a:latin typeface="Courier" charset="0"/>
-                <a:ea typeface="Courier" charset="0"/>
-                <a:cs typeface="Courier" charset="0"/>
-              </a:rPr>
-              <a:t>fputs</a:t>
-            </a:r>
-            <a:r>
-              <a:rPr lang="de-DE" sz="1800" b="1" dirty="0">
-                <a:solidFill>
-                  <a:schemeClr val="bg1"/>
-                </a:solidFill>
-                <a:latin typeface="Courier" charset="0"/>
-                <a:ea typeface="Courier" charset="0"/>
-                <a:cs typeface="Courier" charset="0"/>
-              </a:rPr>
-              <a:t> </a:t>
-            </a:r>
-            <a:r>
-              <a:rPr lang="de-DE" sz="1800" b="1" dirty="0" err="1">
-                <a:solidFill>
-                  <a:schemeClr val="bg1"/>
-                </a:solidFill>
-                <a:latin typeface="Courier" charset="0"/>
-                <a:ea typeface="Courier" charset="0"/>
-                <a:cs typeface="Courier" charset="0"/>
-              </a:rPr>
-              <a:t>to</a:t>
-            </a:r>
-            <a:r>
-              <a:rPr lang="de-DE" sz="1800" b="1" dirty="0">
-                <a:solidFill>
-                  <a:schemeClr val="bg1"/>
-                </a:solidFill>
-                <a:latin typeface="Courier" charset="0"/>
-                <a:ea typeface="Courier" charset="0"/>
-                <a:cs typeface="Courier" charset="0"/>
-              </a:rPr>
-              <a:t> save </a:t>
-            </a:r>
-            <a:r>
-              <a:rPr lang="de-DE" sz="1800" b="1" dirty="0" err="1">
-                <a:solidFill>
-                  <a:schemeClr val="bg1"/>
-                </a:solidFill>
-                <a:latin typeface="Courier" charset="0"/>
-                <a:ea typeface="Courier" charset="0"/>
-                <a:cs typeface="Courier" charset="0"/>
-              </a:rPr>
-              <a:t>user</a:t>
-            </a:r>
-            <a:r>
-              <a:rPr lang="de-DE" sz="1800" b="1" dirty="0">
-                <a:solidFill>
-                  <a:schemeClr val="bg1"/>
-                </a:solidFill>
-                <a:latin typeface="Courier" charset="0"/>
-                <a:ea typeface="Courier" charset="0"/>
-                <a:cs typeface="Courier" charset="0"/>
-              </a:rPr>
-              <a:t> </a:t>
-            </a:r>
-            <a:r>
-              <a:rPr lang="de-DE" sz="1800" b="1" dirty="0" err="1">
-                <a:solidFill>
-                  <a:schemeClr val="bg1"/>
-                </a:solidFill>
-                <a:latin typeface="Courier" charset="0"/>
-                <a:ea typeface="Courier" charset="0"/>
-                <a:cs typeface="Courier" charset="0"/>
-              </a:rPr>
-              <a:t>input</a:t>
-            </a:r>
-            <a:r>
-              <a:rPr lang="de-DE" sz="1800" b="1" dirty="0">
-                <a:solidFill>
-                  <a:schemeClr val="bg1"/>
-                </a:solidFill>
-                <a:latin typeface="Courier" charset="0"/>
-                <a:ea typeface="Courier" charset="0"/>
-                <a:cs typeface="Courier" charset="0"/>
-              </a:rPr>
-              <a:t> </a:t>
-            </a:r>
-            <a:r>
-              <a:rPr lang="de-DE" sz="1800" b="1" dirty="0" err="1">
-                <a:solidFill>
-                  <a:schemeClr val="bg1"/>
-                </a:solidFill>
-                <a:latin typeface="Courier" charset="0"/>
-                <a:ea typeface="Courier" charset="0"/>
-                <a:cs typeface="Courier" charset="0"/>
-              </a:rPr>
-              <a:t>from</a:t>
-            </a:r>
-            <a:r>
-              <a:rPr lang="de-DE" sz="1800" b="1" dirty="0">
-                <a:solidFill>
-                  <a:schemeClr val="bg1"/>
-                </a:solidFill>
-                <a:latin typeface="Courier" charset="0"/>
-                <a:ea typeface="Courier" charset="0"/>
-                <a:cs typeface="Courier" charset="0"/>
-              </a:rPr>
-              <a:t> </a:t>
-            </a:r>
-            <a:r>
-              <a:rPr lang="de-DE" sz="1800" b="1" dirty="0" err="1">
-                <a:solidFill>
-                  <a:schemeClr val="bg1"/>
-                </a:solidFill>
-                <a:latin typeface="Courier" charset="0"/>
-                <a:ea typeface="Courier" charset="0"/>
-                <a:cs typeface="Courier" charset="0"/>
-              </a:rPr>
-              <a:t>buffer</a:t>
-            </a:r>
-            <a:r>
-              <a:rPr lang="de-DE" sz="1800" b="1" dirty="0">
-                <a:solidFill>
-                  <a:schemeClr val="bg1"/>
-                </a:solidFill>
-                <a:latin typeface="Courier" charset="0"/>
-                <a:ea typeface="Courier" charset="0"/>
-                <a:cs typeface="Courier" charset="0"/>
-              </a:rPr>
-              <a:t> </a:t>
-            </a:r>
-            <a:r>
-              <a:rPr lang="de-DE" sz="1800" b="1" dirty="0" err="1">
-                <a:solidFill>
-                  <a:schemeClr val="bg1"/>
-                </a:solidFill>
-                <a:latin typeface="Courier" charset="0"/>
-                <a:ea typeface="Courier" charset="0"/>
-                <a:cs typeface="Courier" charset="0"/>
-              </a:rPr>
-              <a:t>to</a:t>
-            </a:r>
-            <a:r>
-              <a:rPr lang="de-DE" sz="1800" b="1" dirty="0">
-                <a:solidFill>
-                  <a:schemeClr val="bg1"/>
-                </a:solidFill>
-                <a:latin typeface="Courier" charset="0"/>
-                <a:ea typeface="Courier" charset="0"/>
-                <a:cs typeface="Courier" charset="0"/>
-              </a:rPr>
-              <a:t> </a:t>
-            </a:r>
-            <a:r>
-              <a:rPr lang="de-DE" sz="1800" b="1" dirty="0" err="1">
-                <a:solidFill>
-                  <a:schemeClr val="bg1"/>
-                </a:solidFill>
-                <a:latin typeface="Courier" charset="0"/>
-                <a:ea typeface="Courier" charset="0"/>
-                <a:cs typeface="Courier" charset="0"/>
-              </a:rPr>
-              <a:t>file</a:t>
-            </a:r>
-            <a:endParaRPr lang="de-DE" sz="1800" b="1" dirty="0">
-              <a:solidFill>
-                <a:schemeClr val="bg1"/>
-              </a:solidFill>
-              <a:latin typeface="Courier" charset="0"/>
-              <a:ea typeface="Courier" charset="0"/>
-              <a:cs typeface="Courier" charset="0"/>
-            </a:endParaRPr>
-          </a:p>
-          <a:p>
-            <a:pPr marL="0" indent="0">
-              <a:spcBef>
-                <a:spcPts val="0"/>
-              </a:spcBef>
-              <a:buNone/>
-            </a:pPr>
-            <a:r>
-              <a:rPr lang="de-DE" sz="1800" b="1" dirty="0">
-                <a:solidFill>
-                  <a:schemeClr val="tx1"/>
-                </a:solidFill>
-                <a:latin typeface="Courier" charset="0"/>
-                <a:ea typeface="Courier" charset="0"/>
-                <a:cs typeface="Courier" charset="0"/>
-              </a:rPr>
-              <a:t>	</a:t>
-            </a:r>
-            <a:r>
-              <a:rPr lang="de-DE" sz="1800" b="1" dirty="0" err="1">
-                <a:solidFill>
-                  <a:schemeClr val="tx1"/>
-                </a:solidFill>
-                <a:latin typeface="Courier" charset="0"/>
-                <a:ea typeface="Courier" charset="0"/>
-                <a:cs typeface="Courier" charset="0"/>
-              </a:rPr>
-              <a:t>fputs</a:t>
-            </a:r>
-            <a:r>
-              <a:rPr lang="de-DE" sz="1800" b="1" dirty="0">
-                <a:solidFill>
-                  <a:schemeClr val="tx1"/>
-                </a:solidFill>
-                <a:latin typeface="Courier" charset="0"/>
-                <a:ea typeface="Courier" charset="0"/>
-                <a:cs typeface="Courier" charset="0"/>
-              </a:rPr>
-              <a:t>("</a:t>
-            </a:r>
-            <a:r>
-              <a:rPr lang="de-DE" sz="1800" b="1" dirty="0" err="1">
-                <a:solidFill>
-                  <a:schemeClr val="tx1"/>
-                </a:solidFill>
-                <a:latin typeface="Courier" charset="0"/>
-                <a:ea typeface="Courier" charset="0"/>
-                <a:cs typeface="Courier" charset="0"/>
-              </a:rPr>
-              <a:t>Your</a:t>
-            </a:r>
-            <a:r>
-              <a:rPr lang="de-DE" sz="1800" b="1" dirty="0">
-                <a:solidFill>
-                  <a:schemeClr val="tx1"/>
-                </a:solidFill>
-                <a:latin typeface="Courier" charset="0"/>
-                <a:ea typeface="Courier" charset="0"/>
-                <a:cs typeface="Courier" charset="0"/>
-              </a:rPr>
-              <a:t> </a:t>
-            </a:r>
-            <a:r>
-              <a:rPr lang="de-DE" sz="1800" b="1" dirty="0" err="1">
-                <a:solidFill>
-                  <a:schemeClr val="tx1"/>
-                </a:solidFill>
-                <a:latin typeface="Courier" charset="0"/>
-                <a:ea typeface="Courier" charset="0"/>
-                <a:cs typeface="Courier" charset="0"/>
-              </a:rPr>
-              <a:t>self</a:t>
-            </a:r>
-            <a:r>
-              <a:rPr lang="de-DE" sz="1800" b="1" dirty="0">
-                <a:solidFill>
-                  <a:schemeClr val="tx1"/>
-                </a:solidFill>
-                <a:latin typeface="Courier" charset="0"/>
-                <a:ea typeface="Courier" charset="0"/>
-                <a:cs typeface="Courier" charset="0"/>
-              </a:rPr>
-              <a:t> </a:t>
-            </a:r>
-            <a:r>
-              <a:rPr lang="de-DE" sz="1800" b="1" dirty="0" err="1">
-                <a:solidFill>
-                  <a:schemeClr val="tx1"/>
-                </a:solidFill>
-                <a:latin typeface="Courier" charset="0"/>
-                <a:ea typeface="Courier" charset="0"/>
-                <a:cs typeface="Courier" charset="0"/>
-              </a:rPr>
-              <a:t>introduction</a:t>
-            </a:r>
-            <a:r>
-              <a:rPr lang="de-DE" sz="1800" b="1" dirty="0">
-                <a:solidFill>
-                  <a:schemeClr val="tx1"/>
-                </a:solidFill>
-                <a:latin typeface="Courier" charset="0"/>
-                <a:ea typeface="Courier" charset="0"/>
-                <a:cs typeface="Courier" charset="0"/>
-              </a:rPr>
-              <a:t>: ", </a:t>
-            </a:r>
-            <a:r>
-              <a:rPr lang="de-DE" sz="1800" b="1" dirty="0" err="1">
-                <a:solidFill>
-                  <a:schemeClr val="tx1"/>
-                </a:solidFill>
-                <a:latin typeface="Courier" charset="0"/>
-                <a:ea typeface="Courier" charset="0"/>
-                <a:cs typeface="Courier" charset="0"/>
-              </a:rPr>
-              <a:t>file</a:t>
-            </a:r>
-            <a:r>
-              <a:rPr lang="de-DE" sz="1800" b="1" dirty="0">
-                <a:solidFill>
-                  <a:schemeClr val="tx1"/>
-                </a:solidFill>
-                <a:latin typeface="Courier" charset="0"/>
-                <a:ea typeface="Courier" charset="0"/>
-                <a:cs typeface="Courier" charset="0"/>
-              </a:rPr>
-              <a:t>);</a:t>
-            </a:r>
-          </a:p>
-          <a:p>
-            <a:pPr marL="0" indent="0">
-              <a:spcBef>
-                <a:spcPts val="0"/>
-              </a:spcBef>
-              <a:buNone/>
-            </a:pPr>
-            <a:r>
-              <a:rPr lang="de-DE" sz="1800" b="1" dirty="0">
-                <a:solidFill>
-                  <a:schemeClr val="tx1"/>
-                </a:solidFill>
-                <a:latin typeface="Courier" charset="0"/>
-                <a:ea typeface="Courier" charset="0"/>
-                <a:cs typeface="Courier" charset="0"/>
-              </a:rPr>
-              <a:t>	</a:t>
-            </a:r>
-            <a:r>
-              <a:rPr lang="de-DE" sz="1800" b="1" dirty="0" err="1">
-                <a:solidFill>
-                  <a:schemeClr val="tx1"/>
-                </a:solidFill>
-                <a:latin typeface="Courier" charset="0"/>
-                <a:ea typeface="Courier" charset="0"/>
-                <a:cs typeface="Courier" charset="0"/>
-              </a:rPr>
-              <a:t>fputs</a:t>
-            </a:r>
-            <a:r>
-              <a:rPr lang="de-DE" sz="1800" b="1" dirty="0">
-                <a:solidFill>
-                  <a:schemeClr val="tx1"/>
-                </a:solidFill>
-                <a:latin typeface="Courier" charset="0"/>
-                <a:ea typeface="Courier" charset="0"/>
-                <a:cs typeface="Courier" charset="0"/>
-              </a:rPr>
-              <a:t>(</a:t>
-            </a:r>
-            <a:r>
-              <a:rPr lang="de-DE" sz="1800" b="1" dirty="0" err="1">
-                <a:solidFill>
-                  <a:schemeClr val="tx1"/>
-                </a:solidFill>
-                <a:latin typeface="Courier" charset="0"/>
-                <a:ea typeface="Courier" charset="0"/>
-                <a:cs typeface="Courier" charset="0"/>
-              </a:rPr>
-              <a:t>buffer</a:t>
-            </a:r>
-            <a:r>
-              <a:rPr lang="de-DE" sz="1800" b="1" dirty="0">
-                <a:solidFill>
-                  <a:schemeClr val="tx1"/>
-                </a:solidFill>
-                <a:latin typeface="Courier" charset="0"/>
-                <a:ea typeface="Courier" charset="0"/>
-                <a:cs typeface="Courier" charset="0"/>
-              </a:rPr>
-              <a:t>, </a:t>
-            </a:r>
-            <a:r>
-              <a:rPr lang="de-DE" sz="1800" b="1" dirty="0" err="1">
-                <a:solidFill>
-                  <a:schemeClr val="tx1"/>
-                </a:solidFill>
-                <a:latin typeface="Courier" charset="0"/>
-                <a:ea typeface="Courier" charset="0"/>
-                <a:cs typeface="Courier" charset="0"/>
-              </a:rPr>
-              <a:t>file</a:t>
-            </a:r>
-            <a:r>
-              <a:rPr lang="de-DE" sz="1800" b="1" dirty="0">
-                <a:solidFill>
-                  <a:schemeClr val="tx1"/>
-                </a:solidFill>
-                <a:latin typeface="Courier" charset="0"/>
-                <a:ea typeface="Courier" charset="0"/>
-                <a:cs typeface="Courier" charset="0"/>
-              </a:rPr>
-              <a:t>);</a:t>
-            </a:r>
-          </a:p>
-          <a:p>
-            <a:pPr marL="0" indent="0">
-              <a:spcBef>
-                <a:spcPts val="0"/>
-              </a:spcBef>
-              <a:buNone/>
-            </a:pPr>
-            <a:endParaRPr lang="de-DE" sz="1800" b="1" dirty="0">
-              <a:solidFill>
-                <a:schemeClr val="tx1"/>
-              </a:solidFill>
-              <a:latin typeface="Courier" charset="0"/>
-              <a:ea typeface="Courier" charset="0"/>
-              <a:cs typeface="Courier" charset="0"/>
-            </a:endParaRPr>
-          </a:p>
-          <a:p>
-            <a:pPr marL="0" indent="0">
-              <a:spcBef>
-                <a:spcPts val="0"/>
-              </a:spcBef>
-              <a:buNone/>
-            </a:pPr>
-            <a:r>
-              <a:rPr lang="en-US" sz="1800" b="1" dirty="0">
-                <a:solidFill>
-                  <a:schemeClr val="tx1"/>
-                </a:solidFill>
-                <a:latin typeface="Courier" charset="0"/>
-                <a:ea typeface="Courier" charset="0"/>
-                <a:cs typeface="Courier" charset="0"/>
-              </a:rPr>
-              <a:t>	</a:t>
-            </a:r>
-            <a:r>
-              <a:rPr lang="en-US" sz="1800" b="1" dirty="0" err="1">
-                <a:solidFill>
-                  <a:schemeClr val="tx1"/>
-                </a:solidFill>
-                <a:latin typeface="Courier" charset="0"/>
-                <a:ea typeface="Courier" charset="0"/>
-                <a:cs typeface="Courier" charset="0"/>
-              </a:rPr>
-              <a:t>fclose</a:t>
-            </a:r>
-            <a:r>
-              <a:rPr lang="en-US" sz="1800" b="1" dirty="0">
-                <a:solidFill>
-                  <a:schemeClr val="tx1"/>
-                </a:solidFill>
-                <a:latin typeface="Courier" charset="0"/>
-                <a:ea typeface="Courier" charset="0"/>
-                <a:cs typeface="Courier" charset="0"/>
-              </a:rPr>
-              <a:t>(file);</a:t>
-            </a:r>
-          </a:p>
-          <a:p>
-            <a:pPr marL="0" indent="0">
-              <a:spcBef>
-                <a:spcPts val="0"/>
-              </a:spcBef>
-              <a:buNone/>
-            </a:pPr>
-            <a:endParaRPr lang="en-US" sz="1800" b="1" dirty="0">
-              <a:solidFill>
-                <a:schemeClr val="tx1"/>
-              </a:solidFill>
-              <a:latin typeface="Courier" charset="0"/>
-              <a:ea typeface="Courier" charset="0"/>
-              <a:cs typeface="Courier" charset="0"/>
-            </a:endParaRPr>
-          </a:p>
-          <a:p>
-            <a:pPr marL="0" indent="0">
-              <a:spcBef>
-                <a:spcPts val="0"/>
-              </a:spcBef>
-              <a:buNone/>
-            </a:pPr>
-            <a:r>
-              <a:rPr lang="en-US" sz="1800" b="1" dirty="0">
-                <a:solidFill>
-                  <a:schemeClr val="tx1"/>
-                </a:solidFill>
-                <a:latin typeface="Courier" charset="0"/>
-                <a:ea typeface="Courier" charset="0"/>
-                <a:cs typeface="Courier" charset="0"/>
-              </a:rPr>
-              <a:t>	//</a:t>
-            </a:r>
-            <a:r>
-              <a:rPr lang="en-US" sz="1800" b="1" dirty="0">
-                <a:solidFill>
-                  <a:schemeClr val="bg1"/>
-                </a:solidFill>
-                <a:latin typeface="Courier" charset="0"/>
-                <a:ea typeface="Courier" charset="0"/>
-                <a:cs typeface="Courier" charset="0"/>
-              </a:rPr>
-              <a:t>use </a:t>
-            </a:r>
-            <a:r>
-              <a:rPr lang="en-US" sz="1800" b="1" dirty="0" err="1">
-                <a:solidFill>
-                  <a:schemeClr val="bg1"/>
-                </a:solidFill>
-                <a:latin typeface="Courier" charset="0"/>
-                <a:ea typeface="Courier" charset="0"/>
-                <a:cs typeface="Courier" charset="0"/>
-              </a:rPr>
-              <a:t>fputs</a:t>
-            </a:r>
-            <a:r>
-              <a:rPr lang="en-US" sz="1800" b="1" dirty="0">
-                <a:solidFill>
-                  <a:schemeClr val="bg1"/>
-                </a:solidFill>
-                <a:latin typeface="Courier" charset="0"/>
-                <a:ea typeface="Courier" charset="0"/>
-                <a:cs typeface="Courier" charset="0"/>
-              </a:rPr>
-              <a:t> to display string in buffer</a:t>
-            </a:r>
-          </a:p>
-          <a:p>
-            <a:pPr marL="0" indent="0">
-              <a:spcBef>
-                <a:spcPts val="0"/>
-              </a:spcBef>
-              <a:buNone/>
-            </a:pPr>
-            <a:r>
-              <a:rPr lang="en-US" sz="1800" b="1" dirty="0">
-                <a:solidFill>
-                  <a:schemeClr val="tx1"/>
-                </a:solidFill>
-                <a:latin typeface="Courier" charset="0"/>
-                <a:ea typeface="Courier" charset="0"/>
-                <a:cs typeface="Courier" charset="0"/>
-              </a:rPr>
-              <a:t>	</a:t>
-            </a:r>
-            <a:r>
-              <a:rPr lang="en-US" sz="1800" b="1" dirty="0" err="1">
-                <a:solidFill>
-                  <a:schemeClr val="tx1"/>
-                </a:solidFill>
-                <a:latin typeface="Courier" charset="0"/>
-                <a:ea typeface="Courier" charset="0"/>
-                <a:cs typeface="Courier" charset="0"/>
-              </a:rPr>
-              <a:t>fputs</a:t>
-            </a:r>
-            <a:r>
-              <a:rPr lang="en-US" sz="1800" b="1" dirty="0">
-                <a:solidFill>
-                  <a:schemeClr val="tx1"/>
-                </a:solidFill>
-                <a:latin typeface="Courier" charset="0"/>
-                <a:ea typeface="Courier" charset="0"/>
-                <a:cs typeface="Courier" charset="0"/>
-              </a:rPr>
-              <a:t>(buffer, </a:t>
-            </a:r>
-            <a:r>
-              <a:rPr lang="en-US" sz="1800" b="1" dirty="0" err="1">
-                <a:solidFill>
-                  <a:schemeClr val="tx1"/>
-                </a:solidFill>
-                <a:latin typeface="Courier" charset="0"/>
-                <a:ea typeface="Courier" charset="0"/>
-                <a:cs typeface="Courier" charset="0"/>
-              </a:rPr>
-              <a:t>stdout</a:t>
-            </a:r>
-            <a:r>
-              <a:rPr lang="en-US" sz="1800" b="1" dirty="0">
-                <a:solidFill>
-                  <a:schemeClr val="tx1"/>
-                </a:solidFill>
-                <a:latin typeface="Courier" charset="0"/>
-                <a:ea typeface="Courier" charset="0"/>
-                <a:cs typeface="Courier" charset="0"/>
-              </a:rPr>
-              <a:t>);</a:t>
-            </a:r>
-          </a:p>
-          <a:p>
-            <a:pPr marL="509412" lvl="1" indent="0">
-              <a:spcBef>
-                <a:spcPts val="0"/>
-              </a:spcBef>
-              <a:buNone/>
-            </a:pPr>
-            <a:endParaRPr lang="en-US" sz="1800" b="1" dirty="0">
-              <a:solidFill>
-                <a:schemeClr val="tx1"/>
-              </a:solidFill>
-              <a:latin typeface="Courier" charset="0"/>
-              <a:ea typeface="Courier" charset="0"/>
-              <a:cs typeface="Courier" charset="0"/>
-            </a:endParaRPr>
-          </a:p>
-          <a:p>
-            <a:pPr marL="509412" lvl="1" indent="0">
-              <a:spcBef>
-                <a:spcPts val="0"/>
-              </a:spcBef>
-              <a:buNone/>
-            </a:pPr>
-            <a:r>
-              <a:rPr lang="en-US" sz="1800" b="1" dirty="0">
-                <a:solidFill>
-                  <a:schemeClr val="tx1"/>
-                </a:solidFill>
-                <a:latin typeface="Courier" charset="0"/>
-                <a:ea typeface="Courier" charset="0"/>
-                <a:cs typeface="Courier" charset="0"/>
-              </a:rPr>
-              <a:t>return 0;</a:t>
-            </a:r>
-          </a:p>
-          <a:p>
-            <a:pPr marL="0" indent="0">
-              <a:spcBef>
-                <a:spcPts val="0"/>
-              </a:spcBef>
-              <a:buNone/>
-            </a:pPr>
-            <a:r>
-              <a:rPr lang="en-US" sz="1800" b="1" dirty="0">
-                <a:solidFill>
-                  <a:schemeClr val="tx1"/>
-                </a:solidFill>
-                <a:latin typeface="Courier" charset="0"/>
-                <a:ea typeface="Courier" charset="0"/>
-                <a:cs typeface="Courier" charset="0"/>
-              </a:rPr>
-              <a:t>}</a:t>
-            </a:r>
-          </a:p>
-        </p:txBody>
-      </p:sp>
-      <p:sp>
-        <p:nvSpPr>
-          <p:cNvPr id="4" name="TextBox 3"/>
-          <p:cNvSpPr txBox="1"/>
-          <p:nvPr/>
-        </p:nvSpPr>
-        <p:spPr>
-          <a:xfrm>
-            <a:off x="9647865" y="6614044"/>
-            <a:ext cx="314510" cy="400110"/>
-          </a:xfrm>
-          <a:prstGeom prst="rect">
-            <a:avLst/>
-          </a:prstGeom>
-          <a:noFill/>
-        </p:spPr>
-        <p:txBody>
-          <a:bodyPr wrap="none" rtlCol="0">
-            <a:spAutoFit/>
-          </a:bodyPr>
-          <a:lstStyle/>
-          <a:p>
-            <a:r>
-              <a:rPr lang="en-US" dirty="0"/>
-              <a:t>9</a:t>
-            </a:r>
-          </a:p>
-        </p:txBody>
-      </p:sp>
-    </p:spTree>
-    <p:extLst>
-      <p:ext uri="{BB962C8B-B14F-4D97-AF65-F5344CB8AC3E}">
-        <p14:creationId xmlns:p14="http://schemas.microsoft.com/office/powerpoint/2010/main" val="1782651369"/>
       </p:ext>
     </p:extLst>
   </p:cSld>
